--- a/kubernetes/k8s007.pptx
+++ b/kubernetes/k8s007.pptx
@@ -211,7 +211,7 @@
           <a:p>
             <a:fld id="{63F136E3-80C6-A842-B275-74FC7A4265FC}" type="datetimeFigureOut">
               <a:rPr kumimoji="1" lang="zh-CN" altLang="en-US" smtClean="0"/>
-              <a:t>2019/7/8</a:t>
+              <a:t>2019/7/18</a:t>
             </a:fld>
             <a:endParaRPr kumimoji="1" lang="zh-CN" altLang="en-US"/>
           </a:p>
@@ -275,38 +275,37 @@
           <a:p>
             <a:pPr lvl="0"/>
             <a:r>
-              <a:rPr kumimoji="1" lang="zh-CN" altLang="en-US" smtClean="0"/>
+              <a:rPr kumimoji="1" lang="zh-CN" altLang="en-US"/>
               <a:t>单击此处编辑母版文本样式</a:t>
             </a:r>
           </a:p>
           <a:p>
             <a:pPr lvl="1"/>
             <a:r>
-              <a:rPr kumimoji="1" lang="zh-CN" altLang="en-US" smtClean="0"/>
+              <a:rPr kumimoji="1" lang="zh-CN" altLang="en-US"/>
               <a:t>二级</a:t>
             </a:r>
           </a:p>
           <a:p>
             <a:pPr lvl="2"/>
             <a:r>
-              <a:rPr kumimoji="1" lang="zh-CN" altLang="en-US" smtClean="0"/>
+              <a:rPr kumimoji="1" lang="zh-CN" altLang="en-US"/>
               <a:t>三级</a:t>
             </a:r>
           </a:p>
           <a:p>
             <a:pPr lvl="3"/>
             <a:r>
-              <a:rPr kumimoji="1" lang="zh-CN" altLang="en-US" smtClean="0"/>
+              <a:rPr kumimoji="1" lang="zh-CN" altLang="en-US"/>
               <a:t>四级</a:t>
             </a:r>
           </a:p>
           <a:p>
             <a:pPr lvl="4"/>
             <a:r>
-              <a:rPr kumimoji="1" lang="zh-CN" altLang="en-US" smtClean="0"/>
+              <a:rPr kumimoji="1" lang="zh-CN" altLang="en-US"/>
               <a:t>五级</a:t>
             </a:r>
-            <a:endParaRPr kumimoji="1" lang="zh-CN" altLang="en-US"/>
           </a:p>
         </p:txBody>
       </p:sp>
@@ -524,197 +523,225 @@
           <a:lstStyle/>
           <a:p>
             <a:r>
-              <a:rPr lang="zh-CN" altLang="it-IT" dirty="0" smtClean="0">
+              <a:rPr kumimoji="1" lang="en-US" altLang="zh-CN" dirty="0"/>
+              <a:t>See </a:t>
+            </a:r>
+            <a:r>
+              <a:rPr lang="en" altLang="zh-CN" dirty="0">
+                <a:hlinkClick r:id="rId3"/>
+              </a:rPr>
+              <a:t>https://github.com/kubernetes/dashboard</a:t>
+            </a:r>
+            <a:endParaRPr lang="en" altLang="zh-CN" dirty="0"/>
+          </a:p>
+          <a:p>
+            <a:endParaRPr kumimoji="1" lang="en" altLang="zh-CN" dirty="0"/>
+          </a:p>
+          <a:p>
+            <a:pPr marL="0" marR="0" lvl="0" indent="0" algn="l" defTabSz="914400" rtl="0" eaLnBrk="1" fontAlgn="auto" latinLnBrk="0" hangingPunct="1">
+              <a:lnSpc>
+                <a:spcPct val="100000"/>
+              </a:lnSpc>
+              <a:spcBef>
+                <a:spcPts val="0"/>
+              </a:spcBef>
+              <a:spcAft>
+                <a:spcPts val="0"/>
+              </a:spcAft>
+              <a:buClrTx/>
+              <a:buSzTx/>
+              <a:buFontTx/>
+              <a:buNone/>
+              <a:tabLst/>
+              <a:defRPr/>
+            </a:pPr>
+            <a:r>
+              <a:rPr lang="en-US" altLang="zh-CN" dirty="0">
+                <a:hlinkClick r:id="rId4"/>
+              </a:rPr>
+              <a:t>https://raw.githubusercontent.com/kubernetes/dashboard/master/aio/deploy/recommended/kubernetes-dashboard.yaml</a:t>
+            </a:r>
+            <a:r>
+              <a:rPr kumimoji="0" lang="zh-CN" altLang="en-US" dirty="0"/>
+              <a:t> </a:t>
+            </a:r>
+            <a:r>
+              <a:rPr kumimoji="1" lang="zh-CN" altLang="en-US" dirty="0"/>
+              <a:t>失效了</a:t>
+            </a:r>
+            <a:endParaRPr kumimoji="1" lang="en-US" altLang="zh-CN" dirty="0"/>
+          </a:p>
+          <a:p>
+            <a:pPr marL="0" marR="0" lvl="0" indent="0" algn="l" defTabSz="914400" rtl="0" eaLnBrk="1" fontAlgn="auto" latinLnBrk="0" hangingPunct="1">
+              <a:lnSpc>
+                <a:spcPct val="100000"/>
+              </a:lnSpc>
+              <a:spcBef>
+                <a:spcPts val="0"/>
+              </a:spcBef>
+              <a:spcAft>
+                <a:spcPts val="0"/>
+              </a:spcAft>
+              <a:buClrTx/>
+              <a:buSzTx/>
+              <a:buFontTx/>
+              <a:buNone/>
+              <a:tabLst/>
+              <a:defRPr/>
+            </a:pPr>
+            <a:r>
+              <a:rPr kumimoji="1" lang="zh-CN" altLang="en-US" dirty="0"/>
+              <a:t>可以使用</a:t>
+            </a:r>
+            <a:endParaRPr kumimoji="1" lang="en-US" altLang="zh-CN" dirty="0"/>
+          </a:p>
+          <a:p>
+            <a:r>
+              <a:rPr lang="en" altLang="zh-CN" sz="1200" b="0" i="0" kern="1200" dirty="0">
+                <a:solidFill>
+                  <a:schemeClr val="tx1"/>
+                </a:solidFill>
                 <a:effectLst/>
-              </a:rPr>
-              <a:t>打开</a:t>
-            </a:r>
-            <a:r>
-              <a:rPr lang="it-IT" altLang="zh-CN" dirty="0" err="1" smtClean="0">
+                <a:latin typeface="+mn-lt"/>
+                <a:ea typeface="+mn-ea"/>
+                <a:cs typeface="+mn-cs"/>
+              </a:rPr>
+              <a:t>$ </a:t>
+            </a:r>
+            <a:r>
+              <a:rPr lang="en" altLang="zh-CN" sz="1200" b="0" i="0" kern="1200" dirty="0" err="1">
+                <a:solidFill>
+                  <a:schemeClr val="tx1"/>
+                </a:solidFill>
                 <a:effectLst/>
-              </a:rPr>
-              <a:t>grafana</a:t>
-            </a:r>
-            <a:r>
-              <a:rPr lang="zh-CN" altLang="it-IT" dirty="0" smtClean="0">
+                <a:latin typeface="+mn-lt"/>
+                <a:ea typeface="+mn-ea"/>
+                <a:cs typeface="+mn-cs"/>
+              </a:rPr>
+              <a:t>kubectl</a:t>
+            </a:r>
+            <a:r>
+              <a:rPr lang="en" altLang="zh-CN" sz="1200" b="0" i="0" kern="1200" dirty="0">
+                <a:solidFill>
+                  <a:schemeClr val="tx1"/>
+                </a:solidFill>
                 <a:effectLst/>
-              </a:rPr>
-              <a:t>，导入</a:t>
-            </a:r>
-            <a:r>
-              <a:rPr lang="it-IT" altLang="zh-CN" dirty="0" err="1" smtClean="0">
+                <a:latin typeface="+mn-lt"/>
+                <a:ea typeface="+mn-ea"/>
+                <a:cs typeface="+mn-cs"/>
+              </a:rPr>
+              <a:t> apply -f https://</a:t>
+            </a:r>
+            <a:r>
+              <a:rPr lang="en" altLang="zh-CN" sz="1200" b="0" i="0" kern="1200" dirty="0" err="1">
+                <a:solidFill>
+                  <a:schemeClr val="tx1"/>
+                </a:solidFill>
                 <a:effectLst/>
-              </a:rPr>
-              <a:t>apiserver.json</a:t>
-            </a:r>
-            <a:endParaRPr lang="it-IT" altLang="zh-CN" dirty="0" smtClean="0">
+                <a:latin typeface="+mn-lt"/>
+                <a:ea typeface="+mn-ea"/>
+                <a:cs typeface="+mn-cs"/>
+              </a:rPr>
+              <a:t>raw.githubusercontent.com</a:t>
+            </a:r>
+            <a:r>
+              <a:rPr lang="en" altLang="zh-CN" sz="1200" b="0" i="0" kern="1200" dirty="0">
+                <a:solidFill>
+                  <a:schemeClr val="tx1"/>
+                </a:solidFill>
+                <a:effectLst/>
+                <a:latin typeface="+mn-lt"/>
+                <a:ea typeface="+mn-ea"/>
+                <a:cs typeface="+mn-cs"/>
+              </a:rPr>
+              <a:t>/</a:t>
+            </a:r>
+            <a:r>
+              <a:rPr lang="en" altLang="zh-CN" sz="1200" b="0" i="0" kern="1200" dirty="0" err="1">
+                <a:solidFill>
+                  <a:schemeClr val="tx1"/>
+                </a:solidFill>
+                <a:effectLst/>
+                <a:latin typeface="+mn-lt"/>
+                <a:ea typeface="+mn-ea"/>
+                <a:cs typeface="+mn-cs"/>
+              </a:rPr>
+              <a:t>kubernetes</a:t>
+            </a:r>
+            <a:r>
+              <a:rPr lang="en" altLang="zh-CN" sz="1200" b="0" i="0" kern="1200" dirty="0">
+                <a:solidFill>
+                  <a:schemeClr val="tx1"/>
+                </a:solidFill>
+                <a:effectLst/>
+                <a:latin typeface="+mn-lt"/>
+                <a:ea typeface="+mn-ea"/>
+                <a:cs typeface="+mn-cs"/>
+              </a:rPr>
+              <a:t>/dashboard/v1.10.1/</a:t>
+            </a:r>
+            <a:r>
+              <a:rPr lang="en" altLang="zh-CN" sz="1200" b="0" i="0" kern="1200" dirty="0" err="1">
+                <a:solidFill>
+                  <a:schemeClr val="tx1"/>
+                </a:solidFill>
+                <a:effectLst/>
+                <a:latin typeface="+mn-lt"/>
+                <a:ea typeface="+mn-ea"/>
+                <a:cs typeface="+mn-cs"/>
+              </a:rPr>
+              <a:t>src</a:t>
+            </a:r>
+            <a:r>
+              <a:rPr lang="en" altLang="zh-CN" sz="1200" b="0" i="0" kern="1200" dirty="0">
+                <a:solidFill>
+                  <a:schemeClr val="tx1"/>
+                </a:solidFill>
+                <a:effectLst/>
+                <a:latin typeface="+mn-lt"/>
+                <a:ea typeface="+mn-ea"/>
+                <a:cs typeface="+mn-cs"/>
+              </a:rPr>
+              <a:t>/deploy/recommended/</a:t>
+            </a:r>
+            <a:r>
+              <a:rPr lang="en" altLang="zh-CN" sz="1200" b="0" i="0" kern="1200" dirty="0" err="1">
+                <a:solidFill>
+                  <a:schemeClr val="tx1"/>
+                </a:solidFill>
+                <a:effectLst/>
+                <a:latin typeface="+mn-lt"/>
+                <a:ea typeface="+mn-ea"/>
+                <a:cs typeface="+mn-cs"/>
+              </a:rPr>
+              <a:t>kubernetes-dashboard.yaml</a:t>
+            </a:r>
+            <a:endParaRPr lang="en" altLang="zh-CN" sz="1200" b="0" i="0" kern="1200" dirty="0">
+              <a:solidFill>
+                <a:schemeClr val="tx1"/>
+              </a:solidFill>
               <a:effectLst/>
+              <a:latin typeface="+mn-lt"/>
+              <a:ea typeface="+mn-ea"/>
+              <a:cs typeface="+mn-cs"/>
             </a:endParaRPr>
           </a:p>
           <a:p>
-            <a:r>
-              <a:rPr lang="zh-CN" altLang="it-IT" dirty="0" smtClean="0">
-                <a:effectLst/>
-              </a:rPr>
-              <a:t>去</a:t>
-            </a:r>
-            <a:r>
-              <a:rPr lang="it-IT" altLang="zh-CN" dirty="0" err="1" smtClean="0">
-                <a:effectLst/>
-              </a:rPr>
-              <a:t>prometheus</a:t>
-            </a:r>
-            <a:r>
-              <a:rPr lang="zh-CN" altLang="it-IT" dirty="0" smtClean="0">
-                <a:effectLst/>
-              </a:rPr>
-              <a:t>查询</a:t>
-            </a:r>
-            <a:r>
-              <a:rPr lang="it-IT" altLang="zh-CN" dirty="0" err="1" smtClean="0">
-                <a:effectLst/>
-              </a:rPr>
-              <a:t>apiserver_request_total</a:t>
-            </a:r>
-            <a:r>
-              <a:rPr lang="it-IT" altLang="zh-CN" dirty="0" smtClean="0">
-                <a:effectLst/>
-              </a:rPr>
-              <a:t>{job="</a:t>
-            </a:r>
-            <a:r>
-              <a:rPr lang="it-IT" altLang="zh-CN" dirty="0" err="1" smtClean="0">
-                <a:effectLst/>
-              </a:rPr>
-              <a:t>apiserver</a:t>
-            </a:r>
-            <a:r>
-              <a:rPr lang="it-IT" altLang="zh-CN" dirty="0" smtClean="0">
-                <a:effectLst/>
-              </a:rPr>
-              <a:t>"}</a:t>
-            </a:r>
-            <a:r>
-              <a:rPr lang="zh-CN" altLang="it-IT" dirty="0" smtClean="0">
-                <a:effectLst/>
-              </a:rPr>
-              <a:t>，这个</a:t>
-            </a:r>
-            <a:r>
-              <a:rPr lang="it-IT" altLang="zh-CN" dirty="0" err="1" smtClean="0">
-                <a:effectLst/>
-              </a:rPr>
-              <a:t>json</a:t>
-            </a:r>
-            <a:r>
-              <a:rPr lang="zh-CN" altLang="it-IT" dirty="0" smtClean="0">
-                <a:effectLst/>
-              </a:rPr>
-              <a:t>模板使用的</a:t>
-            </a:r>
-            <a:r>
-              <a:rPr lang="it-IT" altLang="zh-CN" dirty="0" smtClean="0">
-                <a:effectLst/>
-              </a:rPr>
-              <a:t>job</a:t>
-            </a:r>
-            <a:r>
-              <a:rPr lang="zh-CN" altLang="it-IT" dirty="0" smtClean="0">
-                <a:effectLst/>
-              </a:rPr>
-              <a:t>名字不对，所以修改</a:t>
-            </a:r>
-            <a:r>
-              <a:rPr lang="it-IT" altLang="zh-CN" dirty="0" err="1" smtClean="0">
-                <a:effectLst/>
-              </a:rPr>
-              <a:t>apiserver</a:t>
-            </a:r>
-            <a:r>
-              <a:rPr lang="it-IT" altLang="zh-CN" dirty="0" smtClean="0">
-                <a:effectLst/>
-              </a:rPr>
-              <a:t> </a:t>
-            </a:r>
-            <a:r>
-              <a:rPr lang="it-IT" altLang="zh-CN" dirty="0" err="1" smtClean="0">
-                <a:effectLst/>
-              </a:rPr>
-              <a:t>dashboard</a:t>
-            </a:r>
-            <a:r>
-              <a:rPr lang="zh-CN" altLang="it-IT" dirty="0" smtClean="0">
-                <a:effectLst/>
-              </a:rPr>
-              <a:t>配置，变量和</a:t>
-            </a:r>
-            <a:r>
-              <a:rPr lang="it-IT" altLang="zh-CN" dirty="0" err="1" smtClean="0">
-                <a:effectLst/>
-              </a:rPr>
-              <a:t>json</a:t>
-            </a:r>
-            <a:r>
-              <a:rPr lang="zh-CN" altLang="it-IT" dirty="0" smtClean="0">
-                <a:effectLst/>
-              </a:rPr>
-              <a:t>模板中的</a:t>
-            </a:r>
-            <a:r>
-              <a:rPr lang="it-IT" altLang="zh-CN" dirty="0" err="1" smtClean="0">
-                <a:effectLst/>
-              </a:rPr>
-              <a:t>kube-apiserver</a:t>
-            </a:r>
-            <a:r>
-              <a:rPr lang="zh-CN" altLang="it-IT" dirty="0" smtClean="0">
-                <a:effectLst/>
-              </a:rPr>
-              <a:t>替换成</a:t>
-            </a:r>
-            <a:r>
-              <a:rPr lang="it-IT" altLang="zh-CN" dirty="0" err="1" smtClean="0">
-                <a:effectLst/>
-              </a:rPr>
-              <a:t>apiserver</a:t>
-            </a:r>
-            <a:endParaRPr lang="it-IT" altLang="zh-CN" dirty="0" smtClean="0">
-              <a:effectLst/>
-            </a:endParaRPr>
-          </a:p>
-          <a:p>
-            <a:r>
-              <a:rPr lang="zh-CN" altLang="it-IT" dirty="0" smtClean="0">
-                <a:effectLst/>
-              </a:rPr>
-              <a:t>其他</a:t>
-            </a:r>
-            <a:r>
-              <a:rPr lang="it-IT" altLang="zh-CN" dirty="0" err="1" smtClean="0">
-                <a:effectLst/>
-              </a:rPr>
-              <a:t>dashboard</a:t>
-            </a:r>
-            <a:r>
-              <a:rPr lang="zh-CN" altLang="it-IT" dirty="0" smtClean="0">
-                <a:effectLst/>
-              </a:rPr>
-              <a:t>类似</a:t>
-            </a:r>
-          </a:p>
-          <a:p>
+            <a:br>
+              <a:rPr lang="en" altLang="zh-CN" dirty="0"/>
+            </a:br>
             <a:endParaRPr kumimoji="1" lang="zh-CN" altLang="en-US" dirty="0"/>
           </a:p>
         </p:txBody>
       </p:sp>
       <p:sp>
         <p:nvSpPr>
-          <p:cNvPr id="4" name="幻灯片编号占位符 3"/>
-          <p:cNvSpPr>
-            <a:spLocks noGrp="1"/>
-          </p:cNvSpPr>
-          <p:nvPr>
-            <p:ph type="sldNum" sz="quarter" idx="10"/>
+          <p:cNvPr id="4" name="灯片编号占位符 3"/>
+          <p:cNvSpPr>
+            <a:spLocks noGrp="1"/>
+          </p:cNvSpPr>
+          <p:nvPr>
+            <p:ph type="sldNum" sz="quarter" idx="5"/>
           </p:nvPr>
         </p:nvSpPr>
         <p:spPr/>
@@ -724,7 +751,7 @@
           <a:p>
             <a:fld id="{2A48A843-6325-C940-A430-FD72B9AFF102}" type="slidenum">
               <a:rPr kumimoji="1" lang="zh-CN" altLang="en-US" smtClean="0"/>
-              <a:t>9</a:t>
+              <a:t>3</a:t>
             </a:fld>
             <a:endParaRPr kumimoji="1" lang="zh-CN" altLang="en-US"/>
           </a:p>
@@ -733,7 +760,91 @@
     </p:spTree>
     <p:extLst>
       <p:ext uri="{BB962C8B-B14F-4D97-AF65-F5344CB8AC3E}">
-        <p14:creationId xmlns:p14="http://schemas.microsoft.com/office/powerpoint/2010/main" val="836730810"/>
+        <p14:creationId xmlns:p14="http://schemas.microsoft.com/office/powerpoint/2010/main" val="839635905"/>
+      </p:ext>
+    </p:extLst>
+  </p:cSld>
+  <p:clrMapOvr>
+    <a:masterClrMapping/>
+  </p:clrMapOvr>
+</p:notes>
+</file>
+
+<file path=ppt/notesSlides/notesSlide10.xml><?xml version="1.0" encoding="utf-8"?>
+<p:notes xmlns:a="http://schemas.openxmlformats.org/drawingml/2006/main" xmlns:r="http://schemas.openxmlformats.org/officeDocument/2006/relationships" xmlns:p="http://schemas.openxmlformats.org/presentationml/2006/main">
+  <p:cSld>
+    <p:spTree>
+      <p:nvGrpSpPr>
+        <p:cNvPr id="1" name=""/>
+        <p:cNvGrpSpPr/>
+        <p:nvPr/>
+      </p:nvGrpSpPr>
+      <p:grpSpPr>
+        <a:xfrm>
+          <a:off x="0" y="0"/>
+          <a:ext cx="0" cy="0"/>
+          <a:chOff x="0" y="0"/>
+          <a:chExt cx="0" cy="0"/>
+        </a:xfrm>
+      </p:grpSpPr>
+      <p:sp>
+        <p:nvSpPr>
+          <p:cNvPr id="2" name="幻灯片图像占位符 1"/>
+          <p:cNvSpPr>
+            <a:spLocks noGrp="1" noRot="1" noChangeAspect="1"/>
+          </p:cNvSpPr>
+          <p:nvPr>
+            <p:ph type="sldImg"/>
+          </p:nvPr>
+        </p:nvSpPr>
+        <p:spPr/>
+      </p:sp>
+      <p:sp>
+        <p:nvSpPr>
+          <p:cNvPr id="3" name="备注占位符 2"/>
+          <p:cNvSpPr>
+            <a:spLocks noGrp="1"/>
+          </p:cNvSpPr>
+          <p:nvPr>
+            <p:ph type="body" idx="1"/>
+          </p:nvPr>
+        </p:nvSpPr>
+        <p:spPr/>
+        <p:txBody>
+          <a:bodyPr/>
+          <a:lstStyle/>
+          <a:p>
+            <a:endParaRPr kumimoji="1" lang="zh-CN" altLang="en-US" dirty="0"/>
+          </a:p>
+        </p:txBody>
+      </p:sp>
+      <p:sp>
+        <p:nvSpPr>
+          <p:cNvPr id="4" name="幻灯片编号占位符 3"/>
+          <p:cNvSpPr>
+            <a:spLocks noGrp="1"/>
+          </p:cNvSpPr>
+          <p:nvPr>
+            <p:ph type="sldNum" sz="quarter" idx="10"/>
+          </p:nvPr>
+        </p:nvSpPr>
+        <p:spPr/>
+        <p:txBody>
+          <a:bodyPr/>
+          <a:lstStyle/>
+          <a:p>
+            <a:fld id="{2A48A843-6325-C940-A430-FD72B9AFF102}" type="slidenum">
+              <a:rPr kumimoji="1" lang="zh-CN" altLang="en-US" smtClean="0"/>
+              <a:t>15</a:t>
+            </a:fld>
+            <a:endParaRPr kumimoji="1" lang="zh-CN" altLang="en-US"/>
+          </a:p>
+        </p:txBody>
+      </p:sp>
+    </p:spTree>
+    <p:extLst>
+      <p:ext uri="{BB962C8B-B14F-4D97-AF65-F5344CB8AC3E}">
+        <p14:creationId xmlns:p14="http://schemas.microsoft.com/office/powerpoint/2010/main" val="717631887"/>
       </p:ext>
     </p:extLst>
   </p:cSld>
@@ -788,87 +899,265 @@
           <a:lstStyle/>
           <a:p>
             <a:r>
-              <a:rPr lang="zh-CN" altLang="en-US" dirty="0" smtClean="0">
+              <a:rPr kumimoji="1" lang="zh-CN" altLang="en-US" dirty="0"/>
+              <a:t>此时</a:t>
+            </a:r>
+            <a:r>
+              <a:rPr kumimoji="1" lang="en-US" altLang="zh-CN" dirty="0"/>
+              <a:t>dashboard</a:t>
+            </a:r>
+            <a:r>
+              <a:rPr kumimoji="1" lang="zh-CN" altLang="en-US" dirty="0"/>
+              <a:t>还是不能正常访问</a:t>
+            </a:r>
+            <a:endParaRPr kumimoji="1" lang="en-US" altLang="zh-CN" dirty="0"/>
+          </a:p>
+          <a:p>
+            <a:endParaRPr kumimoji="1" lang="en-US" altLang="zh-CN" dirty="0"/>
+          </a:p>
+          <a:p>
+            <a:r>
+              <a:rPr kumimoji="1" lang="en-US" altLang="zh-CN" dirty="0"/>
+              <a:t>1.</a:t>
+            </a:r>
+            <a:r>
+              <a:rPr kumimoji="1" lang="zh-CN" altLang="en-US" dirty="0"/>
+              <a:t> 找到自己的</a:t>
+            </a:r>
+            <a:r>
+              <a:rPr lang="en" altLang="zh-CN" sz="1200" b="0" i="0" kern="1200" dirty="0" err="1">
+                <a:solidFill>
+                  <a:schemeClr val="tx1"/>
+                </a:solidFill>
                 <a:effectLst/>
-              </a:rPr>
-              <a:t>创建之后看到</a:t>
-            </a:r>
-            <a:r>
-              <a:rPr lang="en-US" altLang="zh-CN" dirty="0" err="1" smtClean="0">
+                <a:latin typeface="+mn-lt"/>
+                <a:ea typeface="+mn-ea"/>
+                <a:cs typeface="+mn-cs"/>
+              </a:rPr>
+              <a:t>kubernetes</a:t>
+            </a:r>
+            <a:r>
+              <a:rPr lang="en" altLang="zh-CN" sz="1200" b="0" i="0" kern="1200" dirty="0">
+                <a:solidFill>
+                  <a:schemeClr val="tx1"/>
+                </a:solidFill>
                 <a:effectLst/>
-              </a:rPr>
-              <a:t>prometheus</a:t>
-            </a:r>
-            <a:r>
-              <a:rPr lang="zh-CN" altLang="en-US" dirty="0" smtClean="0">
+                <a:latin typeface="+mn-lt"/>
+                <a:ea typeface="+mn-ea"/>
+                <a:cs typeface="+mn-cs"/>
+              </a:rPr>
+              <a:t>-dashboard</a:t>
+            </a:r>
+            <a:r>
+              <a:rPr lang="zh-CN" altLang="en-US" sz="1200" b="0" i="0" kern="1200" dirty="0">
+                <a:solidFill>
+                  <a:schemeClr val="tx1"/>
+                </a:solidFill>
                 <a:effectLst/>
-              </a:rPr>
-              <a:t>看到</a:t>
-            </a:r>
-            <a:r>
-              <a:rPr lang="en-US" altLang="zh-CN" dirty="0" smtClean="0">
+                <a:latin typeface="+mn-lt"/>
+                <a:ea typeface="+mn-ea"/>
+                <a:cs typeface="+mn-cs"/>
+              </a:rPr>
+              <a:t>的</a:t>
+            </a:r>
+            <a:r>
+              <a:rPr lang="en-US" altLang="zh-CN" sz="1200" b="0" i="0" kern="1200" dirty="0">
+                <a:solidFill>
+                  <a:schemeClr val="tx1"/>
+                </a:solidFill>
                 <a:effectLst/>
-              </a:rPr>
-              <a:t>scheduler</a:t>
-            </a:r>
-            <a:r>
-              <a:rPr lang="zh-CN" altLang="en-US" dirty="0" smtClean="0">
+                <a:latin typeface="+mn-lt"/>
+                <a:ea typeface="+mn-ea"/>
+                <a:cs typeface="+mn-cs"/>
+              </a:rPr>
+              <a:t>pod</a:t>
+            </a:r>
+            <a:endParaRPr kumimoji="1" lang="en-US" altLang="zh-CN" dirty="0"/>
+          </a:p>
+          <a:p>
+            <a:r>
+              <a:rPr lang="en" altLang="zh-CN" sz="1200" b="0" i="0" kern="1200" dirty="0">
+                <a:solidFill>
+                  <a:schemeClr val="tx1"/>
+                </a:solidFill>
                 <a:effectLst/>
-              </a:rPr>
-              <a:t>和</a:t>
-            </a:r>
-            <a:r>
-              <a:rPr lang="en-US" altLang="zh-CN" dirty="0" smtClean="0">
+                <a:latin typeface="+mn-lt"/>
+                <a:ea typeface="+mn-ea"/>
+                <a:cs typeface="+mn-cs"/>
+              </a:rPr>
+              <a:t>$ </a:t>
+            </a:r>
+            <a:r>
+              <a:rPr lang="en" altLang="zh-CN" sz="1200" b="0" i="0" kern="1200" dirty="0" err="1">
+                <a:solidFill>
+                  <a:schemeClr val="tx1"/>
+                </a:solidFill>
                 <a:effectLst/>
-              </a:rPr>
-              <a:t>controller-manager up</a:t>
-            </a:r>
-            <a:r>
-              <a:rPr lang="zh-CN" altLang="en-US" dirty="0" smtClean="0">
+                <a:latin typeface="+mn-lt"/>
+                <a:ea typeface="+mn-ea"/>
+                <a:cs typeface="+mn-cs"/>
+              </a:rPr>
+              <a:t>kubectl</a:t>
+            </a:r>
+            <a:r>
+              <a:rPr lang="en" altLang="zh-CN" sz="1200" b="0" i="0" kern="1200" dirty="0">
+                <a:solidFill>
+                  <a:schemeClr val="tx1"/>
+                </a:solidFill>
                 <a:effectLst/>
-              </a:rPr>
-              <a:t>了</a:t>
-            </a:r>
-          </a:p>
-          <a:p>
-            <a:r>
-              <a:rPr lang="en-US" altLang="zh-CN" dirty="0" err="1" smtClean="0">
+                <a:latin typeface="+mn-lt"/>
+                <a:ea typeface="+mn-ea"/>
+                <a:cs typeface="+mn-cs"/>
+              </a:rPr>
+              <a:t> get pod --namespace=</a:t>
+            </a:r>
+            <a:r>
+              <a:rPr lang="en" altLang="zh-CN" sz="1200" b="0" i="0" kern="1200" dirty="0" err="1">
+                <a:solidFill>
+                  <a:schemeClr val="tx1"/>
+                </a:solidFill>
                 <a:effectLst/>
-              </a:rPr>
-              <a:t>grafana</a:t>
-            </a:r>
-            <a:r>
-              <a:rPr lang="zh-CN" altLang="en-US" dirty="0" smtClean="0">
+                <a:latin typeface="+mn-lt"/>
+                <a:ea typeface="+mn-ea"/>
+                <a:cs typeface="+mn-cs"/>
+              </a:rPr>
+              <a:t>kube</a:t>
+            </a:r>
+            <a:r>
+              <a:rPr lang="en" altLang="zh-CN" sz="1200" b="0" i="0" kern="1200" dirty="0">
+                <a:solidFill>
+                  <a:schemeClr val="tx1"/>
+                </a:solidFill>
                 <a:effectLst/>
-              </a:rPr>
-              <a:t>导入相应</a:t>
-            </a:r>
-            <a:r>
-              <a:rPr lang="en-US" altLang="zh-CN" dirty="0" err="1" smtClean="0">
+                <a:latin typeface="+mn-lt"/>
+                <a:ea typeface="+mn-ea"/>
+                <a:cs typeface="+mn-cs"/>
+              </a:rPr>
+              <a:t>-system | grep dashboard</a:t>
+            </a:r>
+            <a:br>
+              <a:rPr lang="en" altLang="zh-CN" dirty="0"/>
+            </a:br>
+            <a:r>
+              <a:rPr lang="en" altLang="zh-CN" sz="1200" b="0" i="0" kern="1200" dirty="0">
+                <a:solidFill>
+                  <a:schemeClr val="tx1"/>
+                </a:solidFill>
                 <a:effectLst/>
-              </a:rPr>
-              <a:t>json</a:t>
-            </a:r>
-            <a:r>
-              <a:rPr lang="zh-CN" altLang="en-US" dirty="0" smtClean="0">
+                <a:latin typeface="+mn-lt"/>
+                <a:ea typeface="+mn-ea"/>
+                <a:cs typeface="+mn-cs"/>
+              </a:rPr>
+              <a:t>kubernetes-dashboard-7798c48646-2cdd7 1/1 Running 0 10h</a:t>
+            </a:r>
+          </a:p>
+          <a:p>
+            <a:endParaRPr kumimoji="1" lang="en" altLang="zh-CN" sz="1200" b="0" i="0" kern="1200" dirty="0">
+              <a:solidFill>
+                <a:schemeClr val="tx1"/>
+              </a:solidFill>
+              <a:effectLst/>
+              <a:latin typeface="+mn-lt"/>
+              <a:ea typeface="+mn-ea"/>
+              <a:cs typeface="+mn-cs"/>
+            </a:endParaRPr>
+          </a:p>
+          <a:p>
+            <a:r>
+              <a:rPr kumimoji="1" lang="en-US" altLang="zh-CN" sz="1200" b="0" i="0" kern="1200" dirty="0">
+                <a:solidFill>
+                  <a:schemeClr val="tx1"/>
+                </a:solidFill>
                 <a:effectLst/>
-              </a:rPr>
-              <a:t>模板后看到监控数据</a:t>
-            </a:r>
-          </a:p>
-          <a:p>
+                <a:latin typeface="+mn-lt"/>
+                <a:ea typeface="+mn-ea"/>
+                <a:cs typeface="+mn-cs"/>
+              </a:rPr>
+              <a:t>2.</a:t>
+            </a:r>
+            <a:r>
+              <a:rPr kumimoji="1" lang="zh-CN" altLang="en-US" sz="1200" b="0" i="0" kern="1200" dirty="0">
+                <a:solidFill>
+                  <a:schemeClr val="tx1"/>
+                </a:solidFill>
+                <a:effectLst/>
+                <a:latin typeface="+mn-lt"/>
+                <a:ea typeface="+mn-ea"/>
+                <a:cs typeface="+mn-cs"/>
+              </a:rPr>
+              <a:t> 指定 转发的端口</a:t>
+            </a:r>
+            <a:endParaRPr kumimoji="1" lang="en-US" altLang="zh-CN" sz="1200" b="0" i="0" kern="1200" dirty="0">
+              <a:solidFill>
+                <a:schemeClr val="tx1"/>
+              </a:solidFill>
+              <a:effectLst/>
+              <a:latin typeface="+mn-lt"/>
+              <a:ea typeface="+mn-ea"/>
+              <a:cs typeface="+mn-cs"/>
+            </a:endParaRPr>
+          </a:p>
+          <a:p>
+            <a:r>
+              <a:rPr lang="en" altLang="zh-CN" sz="1200" b="0" i="0" kern="1200" dirty="0" err="1">
+                <a:solidFill>
+                  <a:schemeClr val="tx1"/>
+                </a:solidFill>
+                <a:effectLst/>
+                <a:latin typeface="+mn-lt"/>
+                <a:ea typeface="+mn-ea"/>
+                <a:cs typeface="+mn-cs"/>
+              </a:rPr>
+              <a:t>kubectl</a:t>
+            </a:r>
+            <a:r>
+              <a:rPr lang="en" altLang="zh-CN" sz="1200" b="0" i="0" kern="1200" dirty="0">
+                <a:solidFill>
+                  <a:schemeClr val="tx1"/>
+                </a:solidFill>
+                <a:effectLst/>
+                <a:latin typeface="+mn-lt"/>
+                <a:ea typeface="+mn-ea"/>
+                <a:cs typeface="+mn-cs"/>
+              </a:rPr>
+              <a:t> port-forward kubernetes-dashboard-7798c48646–2cdd7 8443:8443 --namespace=</a:t>
+            </a:r>
+            <a:r>
+              <a:rPr lang="en" altLang="zh-CN" sz="1200" b="0" i="0" kern="1200" dirty="0" err="1">
+                <a:solidFill>
+                  <a:schemeClr val="tx1"/>
+                </a:solidFill>
+                <a:effectLst/>
+                <a:latin typeface="+mn-lt"/>
+                <a:ea typeface="+mn-ea"/>
+                <a:cs typeface="+mn-cs"/>
+              </a:rPr>
+              <a:t>kube</a:t>
+            </a:r>
+            <a:r>
+              <a:rPr lang="en" altLang="zh-CN" sz="1200" b="0" i="0" kern="1200" dirty="0">
+                <a:solidFill>
+                  <a:schemeClr val="tx1"/>
+                </a:solidFill>
+                <a:effectLst/>
+                <a:latin typeface="+mn-lt"/>
+                <a:ea typeface="+mn-ea"/>
+                <a:cs typeface="+mn-cs"/>
+              </a:rPr>
+              <a:t>-system</a:t>
+            </a:r>
             <a:endParaRPr kumimoji="1" lang="zh-CN" altLang="en-US" dirty="0"/>
           </a:p>
         </p:txBody>
       </p:sp>
       <p:sp>
         <p:nvSpPr>
-          <p:cNvPr id="4" name="幻灯片编号占位符 3"/>
-          <p:cNvSpPr>
-            <a:spLocks noGrp="1"/>
-          </p:cNvSpPr>
-          <p:nvPr>
-            <p:ph type="sldNum" sz="quarter" idx="10"/>
+          <p:cNvPr id="4" name="灯片编号占位符 3"/>
+          <p:cNvSpPr>
+            <a:spLocks noGrp="1"/>
+          </p:cNvSpPr>
+          <p:nvPr>
+            <p:ph type="sldNum" sz="quarter" idx="5"/>
           </p:nvPr>
         </p:nvSpPr>
         <p:spPr/>
@@ -878,7 +1167,7 @@
           <a:p>
             <a:fld id="{2A48A843-6325-C940-A430-FD72B9AFF102}" type="slidenum">
               <a:rPr kumimoji="1" lang="zh-CN" altLang="en-US" smtClean="0"/>
-              <a:t>10</a:t>
+              <a:t>4</a:t>
             </a:fld>
             <a:endParaRPr kumimoji="1" lang="zh-CN" altLang="en-US"/>
           </a:p>
@@ -887,7 +1176,7 @@
     </p:spTree>
     <p:extLst>
       <p:ext uri="{BB962C8B-B14F-4D97-AF65-F5344CB8AC3E}">
-        <p14:creationId xmlns:p14="http://schemas.microsoft.com/office/powerpoint/2010/main" val="646443517"/>
+        <p14:creationId xmlns:p14="http://schemas.microsoft.com/office/powerpoint/2010/main" val="995899103"/>
       </p:ext>
     </p:extLst>
   </p:cSld>
@@ -941,216 +1230,18 @@
           <a:bodyPr/>
           <a:lstStyle/>
           <a:p>
-            <a:pPr marL="0" marR="0" indent="0" algn="l" defTabSz="914400" rtl="0" eaLnBrk="1" fontAlgn="auto" latinLnBrk="0" hangingPunct="1">
-              <a:lnSpc>
-                <a:spcPct val="100000"/>
-              </a:lnSpc>
-              <a:spcBef>
-                <a:spcPts val="0"/>
-              </a:spcBef>
-              <a:spcAft>
-                <a:spcPts val="0"/>
-              </a:spcAft>
-              <a:buClrTx/>
-              <a:buSzTx/>
-              <a:buFontTx/>
-              <a:buNone/>
-              <a:tabLst/>
-              <a:defRPr/>
-            </a:pPr>
-            <a:r>
-              <a:rPr lang="en-US" altLang="zh-CN" dirty="0" err="1" smtClean="0">
-                <a:effectLst/>
-              </a:rPr>
-              <a:t>beautifulhao</a:t>
-            </a:r>
-            <a:r>
-              <a:rPr lang="en-US" altLang="zh-CN" dirty="0" smtClean="0">
-                <a:effectLst/>
-              </a:rPr>
-              <a:t>/elasticsearch:v6.6.1</a:t>
-            </a:r>
-          </a:p>
-          <a:p>
-            <a:endParaRPr kumimoji="1" lang="en-US" altLang="zh-CN" dirty="0" smtClean="0"/>
-          </a:p>
-          <a:p>
-            <a:pPr marL="0" marR="0" indent="0" algn="l" defTabSz="914400" rtl="0" eaLnBrk="1" fontAlgn="auto" latinLnBrk="0" hangingPunct="1">
-              <a:lnSpc>
-                <a:spcPct val="100000"/>
-              </a:lnSpc>
-              <a:spcBef>
-                <a:spcPts val="0"/>
-              </a:spcBef>
-              <a:spcAft>
-                <a:spcPts val="0"/>
-              </a:spcAft>
-              <a:buClrTx/>
-              <a:buSzTx/>
-              <a:buFontTx/>
-              <a:buNone/>
-              <a:tabLst/>
-              <a:defRPr/>
-            </a:pPr>
-            <a:r>
-              <a:rPr lang="zh-CN" altLang="en-US" dirty="0" smtClean="0">
-                <a:effectLst/>
-              </a:rPr>
-              <a:t>修改</a:t>
-            </a:r>
-            <a:r>
-              <a:rPr lang="en-US" altLang="zh-CN" dirty="0" err="1" smtClean="0">
-                <a:effectLst/>
-              </a:rPr>
-              <a:t>kibana-deployment.yaml</a:t>
-            </a:r>
-            <a:r>
-              <a:rPr lang="zh-CN" altLang="en-US" dirty="0" smtClean="0">
-                <a:effectLst/>
-              </a:rPr>
-              <a:t>，去掉</a:t>
-            </a:r>
-            <a:endParaRPr kumimoji="1" lang="en-US" altLang="zh-CN" dirty="0" smtClean="0"/>
-          </a:p>
-          <a:p>
-            <a:pPr marL="171450" marR="0" indent="-171450" algn="l" defTabSz="914400" rtl="0" eaLnBrk="1" fontAlgn="auto" latinLnBrk="0" hangingPunct="1">
-              <a:lnSpc>
-                <a:spcPct val="100000"/>
-              </a:lnSpc>
-              <a:spcBef>
-                <a:spcPts val="0"/>
-              </a:spcBef>
-              <a:spcAft>
-                <a:spcPts val="0"/>
-              </a:spcAft>
-              <a:buClrTx/>
-              <a:buSzTx/>
-              <a:buFontTx/>
-              <a:buChar char="-"/>
-              <a:tabLst/>
-              <a:defRPr/>
-            </a:pPr>
-            <a:r>
-              <a:rPr lang="en-US" altLang="zh-CN" dirty="0" smtClean="0">
-                <a:effectLst/>
-              </a:rPr>
-              <a:t>name: SERVER_BASEPATH </a:t>
-            </a:r>
-          </a:p>
-          <a:p>
-            <a:pPr marL="0" marR="0" indent="0" algn="l" defTabSz="914400" rtl="0" eaLnBrk="1" fontAlgn="auto" latinLnBrk="0" hangingPunct="1">
-              <a:lnSpc>
-                <a:spcPct val="100000"/>
-              </a:lnSpc>
-              <a:spcBef>
-                <a:spcPts val="0"/>
-              </a:spcBef>
-              <a:spcAft>
-                <a:spcPts val="0"/>
-              </a:spcAft>
-              <a:buClrTx/>
-              <a:buSzTx/>
-              <a:buFontTx/>
-              <a:buNone/>
-              <a:tabLst/>
-              <a:defRPr/>
-            </a:pPr>
-            <a:r>
-              <a:rPr lang="zh-CN" altLang="en-US" dirty="0" smtClean="0">
-                <a:effectLst/>
-              </a:rPr>
-              <a:t>   </a:t>
-            </a:r>
-            <a:r>
-              <a:rPr lang="en-US" altLang="zh-CN" dirty="0" smtClean="0">
-                <a:effectLst/>
-              </a:rPr>
-              <a:t>value: /</a:t>
-            </a:r>
-            <a:r>
-              <a:rPr lang="en-US" altLang="zh-CN" dirty="0" err="1" smtClean="0">
-                <a:effectLst/>
-              </a:rPr>
-              <a:t>api</a:t>
-            </a:r>
-            <a:r>
-              <a:rPr lang="en-US" altLang="zh-CN" dirty="0" smtClean="0">
-                <a:effectLst/>
-              </a:rPr>
-              <a:t>/v1/namespaces/</a:t>
-            </a:r>
-            <a:r>
-              <a:rPr lang="en-US" altLang="zh-CN" dirty="0" err="1" smtClean="0">
-                <a:effectLst/>
-              </a:rPr>
-              <a:t>kube</a:t>
-            </a:r>
-            <a:r>
-              <a:rPr lang="en-US" altLang="zh-CN" dirty="0" smtClean="0">
-                <a:effectLst/>
-              </a:rPr>
-              <a:t>-system/services/</a:t>
-            </a:r>
-            <a:r>
-              <a:rPr lang="en-US" altLang="zh-CN" dirty="0" err="1" smtClean="0">
-                <a:effectLst/>
-              </a:rPr>
-              <a:t>kibana</a:t>
-            </a:r>
-            <a:r>
-              <a:rPr lang="en-US" altLang="zh-CN" dirty="0" smtClean="0">
-                <a:effectLst/>
-              </a:rPr>
-              <a:t>-logging/proxy</a:t>
-            </a:r>
-          </a:p>
-          <a:p>
-            <a:endParaRPr kumimoji="1" lang="en-US" altLang="zh-CN" dirty="0" smtClean="0"/>
-          </a:p>
-          <a:p>
-            <a:pPr marL="0" marR="0" indent="0" algn="l" defTabSz="914400" rtl="0" eaLnBrk="1" fontAlgn="auto" latinLnBrk="0" hangingPunct="1">
-              <a:lnSpc>
-                <a:spcPct val="100000"/>
-              </a:lnSpc>
-              <a:spcBef>
-                <a:spcPts val="0"/>
-              </a:spcBef>
-              <a:spcAft>
-                <a:spcPts val="0"/>
-              </a:spcAft>
-              <a:buClrTx/>
-              <a:buSzTx/>
-              <a:buFontTx/>
-              <a:buNone/>
-              <a:tabLst/>
-              <a:defRPr/>
-            </a:pPr>
-            <a:r>
-              <a:rPr lang="en-US" altLang="zh-CN" dirty="0" err="1" smtClean="0">
-                <a:effectLst/>
-              </a:rPr>
-              <a:t>beautifulhao</a:t>
-            </a:r>
-            <a:r>
-              <a:rPr lang="en-US" altLang="zh-CN" dirty="0" smtClean="0">
-                <a:effectLst/>
-              </a:rPr>
-              <a:t>/fluentd-elasticsearch:v2.4.0 </a:t>
-            </a:r>
-          </a:p>
-          <a:p>
             <a:endParaRPr kumimoji="1" lang="zh-CN" altLang="en-US" dirty="0"/>
           </a:p>
         </p:txBody>
       </p:sp>
       <p:sp>
         <p:nvSpPr>
-          <p:cNvPr id="4" name="幻灯片编号占位符 3"/>
-          <p:cNvSpPr>
-            <a:spLocks noGrp="1"/>
-          </p:cNvSpPr>
-          <p:nvPr>
-            <p:ph type="sldNum" sz="quarter" idx="10"/>
+          <p:cNvPr id="4" name="灯片编号占位符 3"/>
+          <p:cNvSpPr>
+            <a:spLocks noGrp="1"/>
+          </p:cNvSpPr>
+          <p:nvPr>
+            <p:ph type="sldNum" sz="quarter" idx="5"/>
           </p:nvPr>
         </p:nvSpPr>
         <p:spPr/>
@@ -1160,7 +1251,7 @@
           <a:p>
             <a:fld id="{2A48A843-6325-C940-A430-FD72B9AFF102}" type="slidenum">
               <a:rPr kumimoji="1" lang="zh-CN" altLang="en-US" smtClean="0"/>
-              <a:t>11</a:t>
+              <a:t>6</a:t>
             </a:fld>
             <a:endParaRPr kumimoji="1" lang="zh-CN" altLang="en-US"/>
           </a:p>
@@ -1169,7 +1260,7 @@
     </p:spTree>
     <p:extLst>
       <p:ext uri="{BB962C8B-B14F-4D97-AF65-F5344CB8AC3E}">
-        <p14:creationId xmlns:p14="http://schemas.microsoft.com/office/powerpoint/2010/main" val="2076409739"/>
+        <p14:creationId xmlns:p14="http://schemas.microsoft.com/office/powerpoint/2010/main" val="1821663747"/>
       </p:ext>
     </p:extLst>
   </p:cSld>
@@ -1223,6 +1314,186 @@
           <a:bodyPr/>
           <a:lstStyle/>
           <a:p>
+            <a:r>
+              <a:rPr lang="zh-CN" altLang="it-IT" dirty="0">
+                <a:effectLst/>
+              </a:rPr>
+              <a:t>打开</a:t>
+            </a:r>
+            <a:r>
+              <a:rPr lang="it-IT" altLang="zh-CN" dirty="0" err="1">
+                <a:effectLst/>
+              </a:rPr>
+              <a:t>grafana</a:t>
+            </a:r>
+            <a:r>
+              <a:rPr lang="zh-CN" altLang="it-IT" dirty="0">
+                <a:effectLst/>
+              </a:rPr>
+              <a:t>，导入</a:t>
+            </a:r>
+            <a:r>
+              <a:rPr lang="it-IT" altLang="zh-CN" dirty="0" err="1">
+                <a:effectLst/>
+              </a:rPr>
+              <a:t>apiserver.json</a:t>
+            </a:r>
+            <a:endParaRPr lang="it-IT" altLang="zh-CN" dirty="0">
+              <a:effectLst/>
+            </a:endParaRPr>
+          </a:p>
+          <a:p>
+            <a:r>
+              <a:rPr lang="zh-CN" altLang="it-IT" dirty="0">
+                <a:effectLst/>
+              </a:rPr>
+              <a:t>去</a:t>
+            </a:r>
+            <a:r>
+              <a:rPr lang="it-IT" altLang="zh-CN" dirty="0" err="1">
+                <a:effectLst/>
+              </a:rPr>
+              <a:t>prometheus</a:t>
+            </a:r>
+            <a:r>
+              <a:rPr lang="zh-CN" altLang="it-IT" dirty="0">
+                <a:effectLst/>
+              </a:rPr>
+              <a:t>查询</a:t>
+            </a:r>
+            <a:r>
+              <a:rPr lang="it-IT" altLang="zh-CN" dirty="0" err="1">
+                <a:effectLst/>
+              </a:rPr>
+              <a:t>apiserver_request_total</a:t>
+            </a:r>
+            <a:r>
+              <a:rPr lang="it-IT" altLang="zh-CN" dirty="0">
+                <a:effectLst/>
+              </a:rPr>
+              <a:t>{job="</a:t>
+            </a:r>
+            <a:r>
+              <a:rPr lang="it-IT" altLang="zh-CN" dirty="0" err="1">
+                <a:effectLst/>
+              </a:rPr>
+              <a:t>apiserver</a:t>
+            </a:r>
+            <a:r>
+              <a:rPr lang="it-IT" altLang="zh-CN" dirty="0">
+                <a:effectLst/>
+              </a:rPr>
+              <a:t>"}</a:t>
+            </a:r>
+            <a:r>
+              <a:rPr lang="zh-CN" altLang="it-IT" dirty="0">
+                <a:effectLst/>
+              </a:rPr>
+              <a:t>，这个</a:t>
+            </a:r>
+            <a:r>
+              <a:rPr lang="it-IT" altLang="zh-CN" dirty="0" err="1">
+                <a:effectLst/>
+              </a:rPr>
+              <a:t>json</a:t>
+            </a:r>
+            <a:r>
+              <a:rPr lang="zh-CN" altLang="it-IT" dirty="0">
+                <a:effectLst/>
+              </a:rPr>
+              <a:t>模板使用的</a:t>
+            </a:r>
+            <a:r>
+              <a:rPr lang="it-IT" altLang="zh-CN" dirty="0">
+                <a:effectLst/>
+              </a:rPr>
+              <a:t>job</a:t>
+            </a:r>
+            <a:r>
+              <a:rPr lang="zh-CN" altLang="it-IT" dirty="0">
+                <a:effectLst/>
+              </a:rPr>
+              <a:t>名字不对，所以修改</a:t>
+            </a:r>
+            <a:r>
+              <a:rPr lang="it-IT" altLang="zh-CN" dirty="0" err="1">
+                <a:effectLst/>
+              </a:rPr>
+              <a:t>apiserver</a:t>
+            </a:r>
+            <a:r>
+              <a:rPr lang="it-IT" altLang="zh-CN" dirty="0">
+                <a:effectLst/>
+              </a:rPr>
+              <a:t> </a:t>
+            </a:r>
+            <a:r>
+              <a:rPr lang="it-IT" altLang="zh-CN" dirty="0" err="1">
+                <a:effectLst/>
+              </a:rPr>
+              <a:t>dashboard</a:t>
+            </a:r>
+            <a:r>
+              <a:rPr lang="zh-CN" altLang="it-IT" dirty="0">
+                <a:effectLst/>
+              </a:rPr>
+              <a:t>配置，变量和</a:t>
+            </a:r>
+            <a:r>
+              <a:rPr lang="it-IT" altLang="zh-CN" dirty="0" err="1">
+                <a:effectLst/>
+              </a:rPr>
+              <a:t>json</a:t>
+            </a:r>
+            <a:r>
+              <a:rPr lang="zh-CN" altLang="it-IT" dirty="0">
+                <a:effectLst/>
+              </a:rPr>
+              <a:t>模板中的</a:t>
+            </a:r>
+            <a:r>
+              <a:rPr lang="it-IT" altLang="zh-CN" dirty="0" err="1">
+                <a:effectLst/>
+              </a:rPr>
+              <a:t>kube-apiserver</a:t>
+            </a:r>
+            <a:r>
+              <a:rPr lang="zh-CN" altLang="it-IT" dirty="0">
+                <a:effectLst/>
+              </a:rPr>
+              <a:t>替换成</a:t>
+            </a:r>
+            <a:r>
+              <a:rPr lang="it-IT" altLang="zh-CN" dirty="0" err="1">
+                <a:effectLst/>
+              </a:rPr>
+              <a:t>apiserver</a:t>
+            </a:r>
+            <a:endParaRPr lang="it-IT" altLang="zh-CN" dirty="0">
+              <a:effectLst/>
+            </a:endParaRPr>
+          </a:p>
+          <a:p>
+            <a:r>
+              <a:rPr lang="zh-CN" altLang="it-IT" dirty="0">
+                <a:effectLst/>
+              </a:rPr>
+              <a:t>其他</a:t>
+            </a:r>
+            <a:r>
+              <a:rPr lang="it-IT" altLang="zh-CN" dirty="0" err="1">
+                <a:effectLst/>
+              </a:rPr>
+              <a:t>dashboard</a:t>
+            </a:r>
+            <a:r>
+              <a:rPr lang="zh-CN" altLang="it-IT" dirty="0">
+                <a:effectLst/>
+              </a:rPr>
+              <a:t>类似</a:t>
+            </a:r>
+          </a:p>
+          <a:p>
             <a:endParaRPr kumimoji="1" lang="zh-CN" altLang="en-US" dirty="0"/>
           </a:p>
         </p:txBody>
@@ -1244,7 +1515,7 @@
           <a:p>
             <a:fld id="{2A48A843-6325-C940-A430-FD72B9AFF102}" type="slidenum">
               <a:rPr kumimoji="1" lang="zh-CN" altLang="en-US" smtClean="0"/>
-              <a:t>12</a:t>
+              <a:t>9</a:t>
             </a:fld>
             <a:endParaRPr kumimoji="1" lang="zh-CN" altLang="en-US"/>
           </a:p>
@@ -1253,7 +1524,7 @@
     </p:spTree>
     <p:extLst>
       <p:ext uri="{BB962C8B-B14F-4D97-AF65-F5344CB8AC3E}">
-        <p14:creationId xmlns:p14="http://schemas.microsoft.com/office/powerpoint/2010/main" val="74568757"/>
+        <p14:creationId xmlns:p14="http://schemas.microsoft.com/office/powerpoint/2010/main" val="836730810"/>
       </p:ext>
     </p:extLst>
   </p:cSld>
@@ -1307,6 +1578,76 @@
           <a:bodyPr/>
           <a:lstStyle/>
           <a:p>
+            <a:r>
+              <a:rPr lang="zh-CN" altLang="en-US" dirty="0">
+                <a:effectLst/>
+              </a:rPr>
+              <a:t>创建之后看到</a:t>
+            </a:r>
+            <a:r>
+              <a:rPr lang="en-US" altLang="zh-CN" dirty="0" err="1">
+                <a:effectLst/>
+              </a:rPr>
+              <a:t>prometheus</a:t>
+            </a:r>
+            <a:r>
+              <a:rPr lang="zh-CN" altLang="en-US" dirty="0">
+                <a:effectLst/>
+              </a:rPr>
+              <a:t>看到</a:t>
+            </a:r>
+            <a:r>
+              <a:rPr lang="en-US" altLang="zh-CN" dirty="0">
+                <a:effectLst/>
+              </a:rPr>
+              <a:t>scheduler</a:t>
+            </a:r>
+            <a:r>
+              <a:rPr lang="zh-CN" altLang="en-US" dirty="0">
+                <a:effectLst/>
+              </a:rPr>
+              <a:t>和</a:t>
+            </a:r>
+            <a:r>
+              <a:rPr lang="en-US" altLang="zh-CN" dirty="0">
+                <a:effectLst/>
+              </a:rPr>
+              <a:t>controller-manager up</a:t>
+            </a:r>
+            <a:r>
+              <a:rPr lang="zh-CN" altLang="en-US" dirty="0">
+                <a:effectLst/>
+              </a:rPr>
+              <a:t>了</a:t>
+            </a:r>
+          </a:p>
+          <a:p>
+            <a:r>
+              <a:rPr lang="en-US" altLang="zh-CN" dirty="0" err="1">
+                <a:effectLst/>
+              </a:rPr>
+              <a:t>grafana</a:t>
+            </a:r>
+            <a:r>
+              <a:rPr lang="zh-CN" altLang="en-US" dirty="0">
+                <a:effectLst/>
+              </a:rPr>
+              <a:t>导入相应</a:t>
+            </a:r>
+            <a:r>
+              <a:rPr lang="en-US" altLang="zh-CN" dirty="0" err="1">
+                <a:effectLst/>
+              </a:rPr>
+              <a:t>json</a:t>
+            </a:r>
+            <a:r>
+              <a:rPr lang="zh-CN" altLang="en-US" dirty="0">
+                <a:effectLst/>
+              </a:rPr>
+              <a:t>模板后看到监控数据</a:t>
+            </a:r>
+          </a:p>
+          <a:p>
             <a:endParaRPr kumimoji="1" lang="zh-CN" altLang="en-US" dirty="0"/>
           </a:p>
         </p:txBody>
@@ -1328,7 +1669,7 @@
           <a:p>
             <a:fld id="{2A48A843-6325-C940-A430-FD72B9AFF102}" type="slidenum">
               <a:rPr kumimoji="1" lang="zh-CN" altLang="en-US" smtClean="0"/>
-              <a:t>13</a:t>
+              <a:t>10</a:t>
             </a:fld>
             <a:endParaRPr kumimoji="1" lang="zh-CN" altLang="en-US"/>
           </a:p>
@@ -1337,7 +1678,7 @@
     </p:spTree>
     <p:extLst>
       <p:ext uri="{BB962C8B-B14F-4D97-AF65-F5344CB8AC3E}">
-        <p14:creationId xmlns:p14="http://schemas.microsoft.com/office/powerpoint/2010/main" val="408497023"/>
+        <p14:creationId xmlns:p14="http://schemas.microsoft.com/office/powerpoint/2010/main" val="646443517"/>
       </p:ext>
     </p:extLst>
   </p:cSld>
@@ -1409,59 +1750,20 @@
               <a:defRPr/>
             </a:pPr>
             <a:r>
-              <a:rPr lang="en-US" altLang="zh-CN" dirty="0" err="1" smtClean="0">
+              <a:rPr lang="en-US" altLang="zh-CN" dirty="0" err="1">
                 <a:effectLst/>
               </a:rPr>
-              <a:t>filebeat-kubernetes.yaml</a:t>
-            </a:r>
-            <a:r>
-              <a:rPr lang="en-US" altLang="zh-CN" dirty="0" smtClean="0">
+              <a:t>beautifulhao</a:t>
+            </a:r>
+            <a:r>
+              <a:rPr lang="en-US" altLang="zh-CN" dirty="0">
                 <a:effectLst/>
               </a:rPr>
-              <a:t>, </a:t>
-            </a:r>
-            <a:r>
-              <a:rPr lang="en-US" altLang="zh-CN" dirty="0" err="1" smtClean="0">
-                <a:effectLst/>
-              </a:rPr>
-              <a:t>metricbeat-kubernetes.yaml</a:t>
-            </a:r>
-            <a:r>
-              <a:rPr lang="en-US" altLang="zh-CN" dirty="0" smtClean="0">
-                <a:effectLst/>
-              </a:rPr>
-              <a:t>, </a:t>
-            </a:r>
-            <a:r>
-              <a:rPr lang="en-US" altLang="zh-CN" dirty="0" err="1" smtClean="0">
-                <a:effectLst/>
-              </a:rPr>
-              <a:t>packetbeat-kubernetes.yaml</a:t>
-            </a:r>
-            <a:r>
-              <a:rPr lang="zh-CN" altLang="en-US" dirty="0" smtClean="0">
-                <a:effectLst/>
-              </a:rPr>
-              <a:t>的</a:t>
-            </a:r>
-            <a:r>
-              <a:rPr lang="en-US" altLang="zh-CN" dirty="0" smtClean="0">
-                <a:effectLst/>
-              </a:rPr>
-              <a:t>image</a:t>
-            </a:r>
-            <a:r>
-              <a:rPr lang="zh-CN" altLang="en-US" dirty="0" smtClean="0">
-                <a:effectLst/>
-              </a:rPr>
-              <a:t>版本都改为</a:t>
-            </a:r>
-            <a:r>
-              <a:rPr lang="en-US" altLang="zh-CN" dirty="0" smtClean="0">
-                <a:effectLst/>
-              </a:rPr>
-              <a:t>6.6.1</a:t>
-            </a:r>
+              <a:t>/elasticsearch:v6.6.1</a:t>
+            </a:r>
+          </a:p>
+          <a:p>
+            <a:endParaRPr kumimoji="1" lang="en-US" altLang="zh-CN" dirty="0"/>
           </a:p>
           <a:p>
             <a:pPr marL="0" marR="0" indent="0" algn="l" defTabSz="914400" rtl="0" eaLnBrk="1" fontAlgn="auto" latinLnBrk="0" hangingPunct="1">
@@ -1481,9 +1783,50 @@
               <a:tabLst/>
               <a:defRPr/>
             </a:pPr>
-            <a:endParaRPr lang="en-US" altLang="zh-CN" dirty="0" smtClean="0">
-              <a:effectLst/>
-            </a:endParaRPr>
+            <a:r>
+              <a:rPr lang="zh-CN" altLang="en-US" dirty="0">
+                <a:effectLst/>
+              </a:rPr>
+              <a:t>修改</a:t>
+            </a:r>
+            <a:r>
+              <a:rPr lang="en-US" altLang="zh-CN" dirty="0" err="1">
+                <a:effectLst/>
+              </a:rPr>
+              <a:t>kibana-deployment.yaml</a:t>
+            </a:r>
+            <a:r>
+              <a:rPr lang="zh-CN" altLang="en-US" dirty="0">
+                <a:effectLst/>
+              </a:rPr>
+              <a:t>，去掉</a:t>
+            </a:r>
+            <a:endParaRPr kumimoji="1" lang="en-US" altLang="zh-CN" dirty="0"/>
+          </a:p>
+          <a:p>
+            <a:pPr marL="171450" marR="0" indent="-171450" algn="l" defTabSz="914400" rtl="0" eaLnBrk="1" fontAlgn="auto" latinLnBrk="0" hangingPunct="1">
+              <a:lnSpc>
+                <a:spcPct val="100000"/>
+              </a:lnSpc>
+              <a:spcBef>
+                <a:spcPts val="0"/>
+              </a:spcBef>
+              <a:spcAft>
+                <a:spcPts val="0"/>
+              </a:spcAft>
+              <a:buClrTx/>
+              <a:buSzTx/>
+              <a:buFontTx/>
+              <a:buChar char="-"/>
+              <a:tabLst/>
+              <a:defRPr/>
+            </a:pPr>
+            <a:r>
+              <a:rPr lang="en-US" altLang="zh-CN" dirty="0">
+                <a:effectLst/>
+              </a:rPr>
+              <a:t>name: SERVER_BASEPATH </a:t>
+            </a:r>
           </a:p>
           <a:p>
             <a:pPr marL="0" marR="0" indent="0" algn="l" defTabSz="914400" rtl="0" eaLnBrk="1" fontAlgn="auto" latinLnBrk="0" hangingPunct="1">
@@ -1504,53 +1847,56 @@
               <a:defRPr/>
             </a:pPr>
             <a:r>
-              <a:rPr lang="en-US" altLang="zh-CN" dirty="0" smtClean="0">
+              <a:rPr lang="zh-CN" altLang="en-US" dirty="0">
                 <a:effectLst/>
               </a:rPr>
-              <a:t>index</a:t>
-            </a:r>
-            <a:r>
-              <a:rPr lang="zh-CN" altLang="en-US" dirty="0" smtClean="0">
+              <a:t>   </a:t>
+            </a:r>
+            <a:r>
+              <a:rPr lang="en-US" altLang="zh-CN" dirty="0">
                 <a:effectLst/>
               </a:rPr>
-              <a:t>：</a:t>
-            </a:r>
-            <a:r>
-              <a:rPr lang="en-US" altLang="zh-CN" dirty="0" err="1" smtClean="0">
+              <a:t>value: /</a:t>
+            </a:r>
+            <a:r>
+              <a:rPr lang="en-US" altLang="zh-CN" dirty="0" err="1">
                 <a:effectLst/>
               </a:rPr>
-              <a:t>filebeat</a:t>
-            </a:r>
-            <a:r>
-              <a:rPr lang="en-US" altLang="zh-CN" dirty="0" smtClean="0">
+              <a:t>api</a:t>
+            </a:r>
+            <a:r>
+              <a:rPr lang="en-US" altLang="zh-CN" dirty="0">
                 <a:effectLst/>
               </a:rPr>
-              <a:t>-*, </a:t>
-            </a:r>
-            <a:r>
-              <a:rPr lang="en-US" altLang="zh-CN" dirty="0" err="1" smtClean="0">
+              <a:t>/v1/namespaces/</a:t>
+            </a:r>
+            <a:r>
+              <a:rPr lang="en-US" altLang="zh-CN" dirty="0" err="1">
                 <a:effectLst/>
               </a:rPr>
-              <a:t>metricbeat</a:t>
-            </a:r>
-            <a:r>
-              <a:rPr lang="en-US" altLang="zh-CN" dirty="0" smtClean="0">
+              <a:t>kube</a:t>
+            </a:r>
+            <a:r>
+              <a:rPr lang="en-US" altLang="zh-CN" dirty="0">
                 <a:effectLst/>
               </a:rPr>
-              <a:t>-*, </a:t>
-            </a:r>
-            <a:r>
-              <a:rPr lang="en-US" altLang="zh-CN" dirty="0" err="1" smtClean="0">
+              <a:t>-system/services/</a:t>
+            </a:r>
+            <a:r>
+              <a:rPr lang="en-US" altLang="zh-CN" dirty="0" err="1">
                 <a:effectLst/>
               </a:rPr>
-              <a:t>packetbeat</a:t>
-            </a:r>
-            <a:r>
-              <a:rPr lang="en-US" altLang="zh-CN" dirty="0" smtClean="0">
+              <a:t>kibana</a:t>
+            </a:r>
+            <a:r>
+              <a:rPr lang="en-US" altLang="zh-CN" dirty="0">
                 <a:effectLst/>
               </a:rPr>
-              <a:t>-*</a:t>
-            </a:r>
+              <a:t>-logging/proxy</a:t>
+            </a:r>
+          </a:p>
+          <a:p>
+            <a:endParaRPr kumimoji="1" lang="en-US" altLang="zh-CN" dirty="0"/>
           </a:p>
           <a:p>
             <a:pPr marL="0" marR="0" indent="0" algn="l" defTabSz="914400" rtl="0" eaLnBrk="1" fontAlgn="auto" latinLnBrk="0" hangingPunct="1">
@@ -1570,31 +1916,21 @@
               <a:tabLst/>
               <a:defRPr/>
             </a:pPr>
-            <a:endParaRPr lang="en-US" altLang="zh-CN" dirty="0" smtClean="0">
-              <a:effectLst/>
-            </a:endParaRPr>
-          </a:p>
-          <a:p>
-            <a:pPr marL="0" marR="0" indent="0" algn="l" defTabSz="914400" rtl="0" eaLnBrk="1" fontAlgn="auto" latinLnBrk="0" hangingPunct="1">
-              <a:lnSpc>
-                <a:spcPct val="100000"/>
-              </a:lnSpc>
-              <a:spcBef>
-                <a:spcPts val="0"/>
-              </a:spcBef>
-              <a:spcAft>
-                <a:spcPts val="0"/>
-              </a:spcAft>
-              <a:buClrTx/>
-              <a:buSzTx/>
-              <a:buFontTx/>
-              <a:buNone/>
-              <a:tabLst/>
-              <a:defRPr/>
-            </a:pPr>
-            <a:endParaRPr lang="en-US" altLang="zh-CN" dirty="0" smtClean="0">
-              <a:effectLst/>
-            </a:endParaRPr>
+            <a:r>
+              <a:rPr lang="en-US" altLang="zh-CN" dirty="0" err="1">
+                <a:effectLst/>
+              </a:rPr>
+              <a:t>beautifulhao</a:t>
+            </a:r>
+            <a:r>
+              <a:rPr lang="en-US" altLang="zh-CN" dirty="0">
+                <a:effectLst/>
+              </a:rPr>
+              <a:t>/fluentd-elasticsearch:v2.4.0 </a:t>
+            </a:r>
+          </a:p>
+          <a:p>
+            <a:endParaRPr kumimoji="1" lang="zh-CN" altLang="en-US" dirty="0"/>
           </a:p>
         </p:txBody>
       </p:sp>
@@ -1615,7 +1951,7 @@
           <a:p>
             <a:fld id="{2A48A843-6325-C940-A430-FD72B9AFF102}" type="slidenum">
               <a:rPr kumimoji="1" lang="zh-CN" altLang="en-US" smtClean="0"/>
-              <a:t>14</a:t>
+              <a:t>11</a:t>
             </a:fld>
             <a:endParaRPr kumimoji="1" lang="zh-CN" altLang="en-US"/>
           </a:p>
@@ -1624,7 +1960,7 @@
     </p:spTree>
     <p:extLst>
       <p:ext uri="{BB962C8B-B14F-4D97-AF65-F5344CB8AC3E}">
-        <p14:creationId xmlns:p14="http://schemas.microsoft.com/office/powerpoint/2010/main" val="2080746088"/>
+        <p14:creationId xmlns:p14="http://schemas.microsoft.com/office/powerpoint/2010/main" val="2076409739"/>
       </p:ext>
     </p:extLst>
   </p:cSld>
@@ -1699,7 +2035,7 @@
           <a:p>
             <a:fld id="{2A48A843-6325-C940-A430-FD72B9AFF102}" type="slidenum">
               <a:rPr kumimoji="1" lang="zh-CN" altLang="en-US" smtClean="0"/>
-              <a:t>15</a:t>
+              <a:t>12</a:t>
             </a:fld>
             <a:endParaRPr kumimoji="1" lang="zh-CN" altLang="en-US"/>
           </a:p>
@@ -1708,7 +2044,378 @@
     </p:spTree>
     <p:extLst>
       <p:ext uri="{BB962C8B-B14F-4D97-AF65-F5344CB8AC3E}">
-        <p14:creationId xmlns:p14="http://schemas.microsoft.com/office/powerpoint/2010/main" val="717631887"/>
+        <p14:creationId xmlns:p14="http://schemas.microsoft.com/office/powerpoint/2010/main" val="74568757"/>
+      </p:ext>
+    </p:extLst>
+  </p:cSld>
+  <p:clrMapOvr>
+    <a:masterClrMapping/>
+  </p:clrMapOvr>
+</p:notes>
+</file>
+
+<file path=ppt/notesSlides/notesSlide8.xml><?xml version="1.0" encoding="utf-8"?>
+<p:notes xmlns:a="http://schemas.openxmlformats.org/drawingml/2006/main" xmlns:r="http://schemas.openxmlformats.org/officeDocument/2006/relationships" xmlns:p="http://schemas.openxmlformats.org/presentationml/2006/main">
+  <p:cSld>
+    <p:spTree>
+      <p:nvGrpSpPr>
+        <p:cNvPr id="1" name=""/>
+        <p:cNvGrpSpPr/>
+        <p:nvPr/>
+      </p:nvGrpSpPr>
+      <p:grpSpPr>
+        <a:xfrm>
+          <a:off x="0" y="0"/>
+          <a:ext cx="0" cy="0"/>
+          <a:chOff x="0" y="0"/>
+          <a:chExt cx="0" cy="0"/>
+        </a:xfrm>
+      </p:grpSpPr>
+      <p:sp>
+        <p:nvSpPr>
+          <p:cNvPr id="2" name="幻灯片图像占位符 1"/>
+          <p:cNvSpPr>
+            <a:spLocks noGrp="1" noRot="1" noChangeAspect="1"/>
+          </p:cNvSpPr>
+          <p:nvPr>
+            <p:ph type="sldImg"/>
+          </p:nvPr>
+        </p:nvSpPr>
+        <p:spPr/>
+      </p:sp>
+      <p:sp>
+        <p:nvSpPr>
+          <p:cNvPr id="3" name="备注占位符 2"/>
+          <p:cNvSpPr>
+            <a:spLocks noGrp="1"/>
+          </p:cNvSpPr>
+          <p:nvPr>
+            <p:ph type="body" idx="1"/>
+          </p:nvPr>
+        </p:nvSpPr>
+        <p:spPr/>
+        <p:txBody>
+          <a:bodyPr/>
+          <a:lstStyle/>
+          <a:p>
+            <a:endParaRPr kumimoji="1" lang="zh-CN" altLang="en-US" dirty="0"/>
+          </a:p>
+        </p:txBody>
+      </p:sp>
+      <p:sp>
+        <p:nvSpPr>
+          <p:cNvPr id="4" name="幻灯片编号占位符 3"/>
+          <p:cNvSpPr>
+            <a:spLocks noGrp="1"/>
+          </p:cNvSpPr>
+          <p:nvPr>
+            <p:ph type="sldNum" sz="quarter" idx="10"/>
+          </p:nvPr>
+        </p:nvSpPr>
+        <p:spPr/>
+        <p:txBody>
+          <a:bodyPr/>
+          <a:lstStyle/>
+          <a:p>
+            <a:fld id="{2A48A843-6325-C940-A430-FD72B9AFF102}" type="slidenum">
+              <a:rPr kumimoji="1" lang="zh-CN" altLang="en-US" smtClean="0"/>
+              <a:t>13</a:t>
+            </a:fld>
+            <a:endParaRPr kumimoji="1" lang="zh-CN" altLang="en-US"/>
+          </a:p>
+        </p:txBody>
+      </p:sp>
+    </p:spTree>
+    <p:extLst>
+      <p:ext uri="{BB962C8B-B14F-4D97-AF65-F5344CB8AC3E}">
+        <p14:creationId xmlns:p14="http://schemas.microsoft.com/office/powerpoint/2010/main" val="408497023"/>
+      </p:ext>
+    </p:extLst>
+  </p:cSld>
+  <p:clrMapOvr>
+    <a:masterClrMapping/>
+  </p:clrMapOvr>
+</p:notes>
+</file>
+
+<file path=ppt/notesSlides/notesSlide9.xml><?xml version="1.0" encoding="utf-8"?>
+<p:notes xmlns:a="http://schemas.openxmlformats.org/drawingml/2006/main" xmlns:r="http://schemas.openxmlformats.org/officeDocument/2006/relationships" xmlns:p="http://schemas.openxmlformats.org/presentationml/2006/main">
+  <p:cSld>
+    <p:spTree>
+      <p:nvGrpSpPr>
+        <p:cNvPr id="1" name=""/>
+        <p:cNvGrpSpPr/>
+        <p:nvPr/>
+      </p:nvGrpSpPr>
+      <p:grpSpPr>
+        <a:xfrm>
+          <a:off x="0" y="0"/>
+          <a:ext cx="0" cy="0"/>
+          <a:chOff x="0" y="0"/>
+          <a:chExt cx="0" cy="0"/>
+        </a:xfrm>
+      </p:grpSpPr>
+      <p:sp>
+        <p:nvSpPr>
+          <p:cNvPr id="2" name="幻灯片图像占位符 1"/>
+          <p:cNvSpPr>
+            <a:spLocks noGrp="1" noRot="1" noChangeAspect="1"/>
+          </p:cNvSpPr>
+          <p:nvPr>
+            <p:ph type="sldImg"/>
+          </p:nvPr>
+        </p:nvSpPr>
+        <p:spPr/>
+      </p:sp>
+      <p:sp>
+        <p:nvSpPr>
+          <p:cNvPr id="3" name="备注占位符 2"/>
+          <p:cNvSpPr>
+            <a:spLocks noGrp="1"/>
+          </p:cNvSpPr>
+          <p:nvPr>
+            <p:ph type="body" idx="1"/>
+          </p:nvPr>
+        </p:nvSpPr>
+        <p:spPr/>
+        <p:txBody>
+          <a:bodyPr/>
+          <a:lstStyle/>
+          <a:p>
+            <a:pPr marL="0" marR="0" indent="0" algn="l" defTabSz="914400" rtl="0" eaLnBrk="1" fontAlgn="auto" latinLnBrk="0" hangingPunct="1">
+              <a:lnSpc>
+                <a:spcPct val="100000"/>
+              </a:lnSpc>
+              <a:spcBef>
+                <a:spcPts val="0"/>
+              </a:spcBef>
+              <a:spcAft>
+                <a:spcPts val="0"/>
+              </a:spcAft>
+              <a:buClrTx/>
+              <a:buSzTx/>
+              <a:buFontTx/>
+              <a:buNone/>
+              <a:tabLst/>
+              <a:defRPr/>
+            </a:pPr>
+            <a:r>
+              <a:rPr lang="en-US" altLang="zh-CN" dirty="0" err="1">
+                <a:effectLst/>
+              </a:rPr>
+              <a:t>filebeat-kubernetes.yaml</a:t>
+            </a:r>
+            <a:r>
+              <a:rPr lang="en-US" altLang="zh-CN" dirty="0">
+                <a:effectLst/>
+              </a:rPr>
+              <a:t>, </a:t>
+            </a:r>
+            <a:r>
+              <a:rPr lang="en-US" altLang="zh-CN" dirty="0" err="1">
+                <a:effectLst/>
+              </a:rPr>
+              <a:t>metricbeat-kubernetes.yaml</a:t>
+            </a:r>
+            <a:r>
+              <a:rPr lang="en-US" altLang="zh-CN" dirty="0">
+                <a:effectLst/>
+              </a:rPr>
+              <a:t>, </a:t>
+            </a:r>
+            <a:r>
+              <a:rPr lang="en-US" altLang="zh-CN" dirty="0" err="1">
+                <a:effectLst/>
+              </a:rPr>
+              <a:t>packetbeat-kubernetes.yaml</a:t>
+            </a:r>
+            <a:r>
+              <a:rPr lang="zh-CN" altLang="en-US" dirty="0">
+                <a:effectLst/>
+              </a:rPr>
+              <a:t>的</a:t>
+            </a:r>
+            <a:r>
+              <a:rPr lang="en-US" altLang="zh-CN" dirty="0">
+                <a:effectLst/>
+              </a:rPr>
+              <a:t>image</a:t>
+            </a:r>
+            <a:r>
+              <a:rPr lang="zh-CN" altLang="en-US" dirty="0">
+                <a:effectLst/>
+              </a:rPr>
+              <a:t>版本都改为</a:t>
+            </a:r>
+            <a:r>
+              <a:rPr lang="en-US" altLang="zh-CN" dirty="0">
+                <a:effectLst/>
+              </a:rPr>
+              <a:t>6.6.1</a:t>
+            </a:r>
+          </a:p>
+          <a:p>
+            <a:pPr marL="0" marR="0" indent="0" algn="l" defTabSz="914400" rtl="0" eaLnBrk="1" fontAlgn="auto" latinLnBrk="0" hangingPunct="1">
+              <a:lnSpc>
+                <a:spcPct val="100000"/>
+              </a:lnSpc>
+              <a:spcBef>
+                <a:spcPts val="0"/>
+              </a:spcBef>
+              <a:spcAft>
+                <a:spcPts val="0"/>
+              </a:spcAft>
+              <a:buClrTx/>
+              <a:buSzTx/>
+              <a:buFontTx/>
+              <a:buNone/>
+              <a:tabLst/>
+              <a:defRPr/>
+            </a:pPr>
+            <a:endParaRPr lang="en-US" altLang="zh-CN" dirty="0">
+              <a:effectLst/>
+            </a:endParaRPr>
+          </a:p>
+          <a:p>
+            <a:pPr marL="0" marR="0" indent="0" algn="l" defTabSz="914400" rtl="0" eaLnBrk="1" fontAlgn="auto" latinLnBrk="0" hangingPunct="1">
+              <a:lnSpc>
+                <a:spcPct val="100000"/>
+              </a:lnSpc>
+              <a:spcBef>
+                <a:spcPts val="0"/>
+              </a:spcBef>
+              <a:spcAft>
+                <a:spcPts val="0"/>
+              </a:spcAft>
+              <a:buClrTx/>
+              <a:buSzTx/>
+              <a:buFontTx/>
+              <a:buNone/>
+              <a:tabLst/>
+              <a:defRPr/>
+            </a:pPr>
+            <a:r>
+              <a:rPr lang="en-US" altLang="zh-CN" dirty="0">
+                <a:effectLst/>
+              </a:rPr>
+              <a:t>index</a:t>
+            </a:r>
+            <a:r>
+              <a:rPr lang="zh-CN" altLang="en-US" dirty="0">
+                <a:effectLst/>
+              </a:rPr>
+              <a:t>：</a:t>
+            </a:r>
+            <a:r>
+              <a:rPr lang="en-US" altLang="zh-CN" dirty="0" err="1">
+                <a:effectLst/>
+              </a:rPr>
+              <a:t>filebeat</a:t>
+            </a:r>
+            <a:r>
+              <a:rPr lang="en-US" altLang="zh-CN" dirty="0">
+                <a:effectLst/>
+              </a:rPr>
+              <a:t>-*, </a:t>
+            </a:r>
+            <a:r>
+              <a:rPr lang="en-US" altLang="zh-CN" dirty="0" err="1">
+                <a:effectLst/>
+              </a:rPr>
+              <a:t>metricbeat</a:t>
+            </a:r>
+            <a:r>
+              <a:rPr lang="en-US" altLang="zh-CN" dirty="0">
+                <a:effectLst/>
+              </a:rPr>
+              <a:t>-*, </a:t>
+            </a:r>
+            <a:r>
+              <a:rPr lang="en-US" altLang="zh-CN" dirty="0" err="1">
+                <a:effectLst/>
+              </a:rPr>
+              <a:t>packetbeat</a:t>
+            </a:r>
+            <a:r>
+              <a:rPr lang="en-US" altLang="zh-CN" dirty="0">
+                <a:effectLst/>
+              </a:rPr>
+              <a:t>-*</a:t>
+            </a:r>
+          </a:p>
+          <a:p>
+            <a:pPr marL="0" marR="0" indent="0" algn="l" defTabSz="914400" rtl="0" eaLnBrk="1" fontAlgn="auto" latinLnBrk="0" hangingPunct="1">
+              <a:lnSpc>
+                <a:spcPct val="100000"/>
+              </a:lnSpc>
+              <a:spcBef>
+                <a:spcPts val="0"/>
+              </a:spcBef>
+              <a:spcAft>
+                <a:spcPts val="0"/>
+              </a:spcAft>
+              <a:buClrTx/>
+              <a:buSzTx/>
+              <a:buFontTx/>
+              <a:buNone/>
+              <a:tabLst/>
+              <a:defRPr/>
+            </a:pPr>
+            <a:endParaRPr lang="en-US" altLang="zh-CN" dirty="0">
+              <a:effectLst/>
+            </a:endParaRPr>
+          </a:p>
+          <a:p>
+            <a:pPr marL="0" marR="0" indent="0" algn="l" defTabSz="914400" rtl="0" eaLnBrk="1" fontAlgn="auto" latinLnBrk="0" hangingPunct="1">
+              <a:lnSpc>
+                <a:spcPct val="100000"/>
+              </a:lnSpc>
+              <a:spcBef>
+                <a:spcPts val="0"/>
+              </a:spcBef>
+              <a:spcAft>
+                <a:spcPts val="0"/>
+              </a:spcAft>
+              <a:buClrTx/>
+              <a:buSzTx/>
+              <a:buFontTx/>
+              <a:buNone/>
+              <a:tabLst/>
+              <a:defRPr/>
+            </a:pPr>
+            <a:endParaRPr lang="en-US" altLang="zh-CN" dirty="0">
+              <a:effectLst/>
+            </a:endParaRPr>
+          </a:p>
+        </p:txBody>
+      </p:sp>
+      <p:sp>
+        <p:nvSpPr>
+          <p:cNvPr id="4" name="幻灯片编号占位符 3"/>
+          <p:cNvSpPr>
+            <a:spLocks noGrp="1"/>
+          </p:cNvSpPr>
+          <p:nvPr>
+            <p:ph type="sldNum" sz="quarter" idx="10"/>
+          </p:nvPr>
+        </p:nvSpPr>
+        <p:spPr/>
+        <p:txBody>
+          <a:bodyPr/>
+          <a:lstStyle/>
+          <a:p>
+            <a:fld id="{2A48A843-6325-C940-A430-FD72B9AFF102}" type="slidenum">
+              <a:rPr kumimoji="1" lang="zh-CN" altLang="en-US" smtClean="0"/>
+              <a:t>14</a:t>
+            </a:fld>
+            <a:endParaRPr kumimoji="1" lang="zh-CN" altLang="en-US"/>
+          </a:p>
+        </p:txBody>
+      </p:sp>
+    </p:spTree>
+    <p:extLst>
+      <p:ext uri="{BB962C8B-B14F-4D97-AF65-F5344CB8AC3E}">
+        <p14:creationId xmlns:p14="http://schemas.microsoft.com/office/powerpoint/2010/main" val="2080746088"/>
       </p:ext>
     </p:extLst>
   </p:cSld>
@@ -1813,7 +2520,7 @@
           <a:effectLst/>
           <a:extLst>
             <a:ext uri="{91240B29-F687-4f45-9708-019B960494DF}">
-              <a14:hiddenLine xmlns="" xmlns:a14="http://schemas.microsoft.com/office/drawing/2010/main" w="9525">
+              <a14:hiddenLine xmlns:a14="http://schemas.microsoft.com/office/drawing/2010/main" xmlns="" w="9525">
                 <a:solidFill>
                   <a:srgbClr val="000000"/>
                 </a:solidFill>
@@ -1864,7 +2571,7 @@
           </a:lstStyle>
           <a:p>
             <a:r>
-              <a:rPr lang="zh-CN" altLang="en-US" smtClean="0"/>
+              <a:rPr lang="zh-CN" altLang="en-US"/>
               <a:t>单击此处编辑母版标题样式</a:t>
             </a:r>
             <a:endParaRPr lang="en-US" dirty="0"/>
@@ -1981,7 +2688,7 @@
           </a:lstStyle>
           <a:p>
             <a:r>
-              <a:rPr lang="zh-CN" altLang="en-US" smtClean="0"/>
+              <a:rPr lang="zh-CN" altLang="en-US"/>
               <a:t>单击此处编辑母版副标题样式</a:t>
             </a:r>
             <a:endParaRPr lang="en-US" dirty="0"/>
@@ -2006,7 +2713,7 @@
             <a:fld id="{08B9EBBA-996F-894A-B54A-D6246ED52CEA}" type="datetimeFigureOut">
               <a:rPr lang="en-US" dirty="0"/>
               <a:pPr/>
-              <a:t>7/8/19</a:t>
+              <a:t>7/18/19</a:t>
             </a:fld>
             <a:endParaRPr lang="en-US" dirty="0"/>
           </a:p>
@@ -2107,7 +2814,7 @@
           </a:lstStyle>
           <a:p>
             <a:r>
-              <a:rPr lang="zh-CN" altLang="en-US" smtClean="0"/>
+              <a:rPr lang="zh-CN" altLang="en-US"/>
               <a:t>单击此处编辑母版标题样式</a:t>
             </a:r>
             <a:endParaRPr lang="en-US" dirty="0"/>
@@ -2229,7 +2936,7 @@
           </a:lstStyle>
           <a:p>
             <a:r>
-              <a:rPr lang="zh-CN" altLang="en-US" smtClean="0"/>
+              <a:rPr lang="zh-CN" altLang="en-US"/>
               <a:t>将图片拖动到占位符，或单击添加图标</a:t>
             </a:r>
             <a:endParaRPr lang="en-US" dirty="0"/>
@@ -2297,7 +3004,7 @@
           <a:p>
             <a:pPr lvl="0"/>
             <a:r>
-              <a:rPr lang="zh-CN" altLang="en-US" smtClean="0"/>
+              <a:rPr lang="zh-CN" altLang="en-US"/>
               <a:t>单击此处编辑母版文本样式</a:t>
             </a:r>
           </a:p>
@@ -2321,7 +3028,7 @@
             <a:fld id="{18C79C5D-2A6F-F04D-97DA-BEF2467B64E4}" type="datetimeFigureOut">
               <a:rPr lang="en-US" dirty="0"/>
               <a:pPr/>
-              <a:t>7/8/19</a:t>
+              <a:t>7/18/19</a:t>
             </a:fld>
             <a:endParaRPr lang="en-US" dirty="0"/>
           </a:p>
@@ -2628,7 +3335,7 @@
           </a:lstStyle>
           <a:p>
             <a:r>
-              <a:rPr lang="zh-CN" altLang="en-US" smtClean="0"/>
+              <a:rPr lang="zh-CN" altLang="en-US"/>
               <a:t>单击此处编辑母版标题样式</a:t>
             </a:r>
             <a:endParaRPr lang="en-US" dirty="0"/>
@@ -2748,7 +3455,7 @@
           <a:p>
             <a:pPr lvl="0"/>
             <a:r>
-              <a:rPr lang="zh-CN" altLang="en-US" smtClean="0"/>
+              <a:rPr lang="zh-CN" altLang="en-US"/>
               <a:t>单击此处编辑母版文本样式</a:t>
             </a:r>
           </a:p>
@@ -2782,7 +3489,7 @@
           <a:p>
             <a:pPr lvl="0"/>
             <a:r>
-              <a:rPr lang="zh-CN" altLang="en-US" smtClean="0"/>
+              <a:rPr lang="zh-CN" altLang="en-US"/>
               <a:t>单击此处编辑母版文本样式</a:t>
             </a:r>
           </a:p>
@@ -2806,7 +3513,7 @@
             <a:fld id="{8DFA1846-DA80-1C48-A609-854EA85C59AD}" type="datetimeFigureOut">
               <a:rPr lang="en-US" dirty="0"/>
               <a:pPr/>
-              <a:t>7/8/19</a:t>
+              <a:t>7/18/19</a:t>
             </a:fld>
             <a:endParaRPr lang="en-US" dirty="0"/>
           </a:p>
@@ -3113,7 +3820,7 @@
           </a:lstStyle>
           <a:p>
             <a:r>
-              <a:rPr lang="zh-CN" altLang="en-US" smtClean="0"/>
+              <a:rPr lang="zh-CN" altLang="en-US"/>
               <a:t>单击此处编辑母版标题样式</a:t>
             </a:r>
             <a:endParaRPr lang="en-US" dirty="0"/>
@@ -3148,7 +3855,7 @@
           <a:p>
             <a:pPr lvl="0"/>
             <a:r>
-              <a:rPr lang="zh-CN" altLang="en-US" smtClean="0"/>
+              <a:rPr lang="zh-CN" altLang="en-US"/>
               <a:t>单击此处编辑母版文本样式</a:t>
             </a:r>
           </a:p>
@@ -3172,7 +3879,7 @@
             <a:fld id="{FBF54567-0DE4-3F47-BF90-CB84690072F9}" type="datetimeFigureOut">
               <a:rPr lang="en-US" dirty="0"/>
               <a:pPr/>
-              <a:t>7/8/19</a:t>
+              <a:t>7/18/19</a:t>
             </a:fld>
             <a:endParaRPr lang="en-US" dirty="0"/>
           </a:p>
@@ -3323,7 +4030,7 @@
           <a:ln/>
           <a:extLst>
             <a:ext uri="{91240B29-F687-4f45-9708-019B960494DF}">
-              <a14:hiddenLine xmlns="" xmlns:a14="http://schemas.microsoft.com/office/drawing/2010/main" w="9525">
+              <a14:hiddenLine xmlns:a14="http://schemas.microsoft.com/office/drawing/2010/main" xmlns="" w="9525">
                 <a:solidFill>
                   <a:srgbClr val="000000"/>
                 </a:solidFill>
@@ -3365,7 +4072,7 @@
           <a:lstStyle/>
           <a:p>
             <a:r>
-              <a:rPr lang="zh-CN" altLang="en-US" smtClean="0"/>
+              <a:rPr lang="zh-CN" altLang="en-US"/>
               <a:t>单击此处编辑母版标题样式</a:t>
             </a:r>
             <a:endParaRPr lang="en-US" dirty="0"/>
@@ -3389,35 +4096,35 @@
           <a:p>
             <a:pPr lvl="0"/>
             <a:r>
-              <a:rPr lang="zh-CN" altLang="en-US" smtClean="0"/>
+              <a:rPr lang="zh-CN" altLang="en-US"/>
               <a:t>单击此处编辑母版文本样式</a:t>
             </a:r>
           </a:p>
           <a:p>
             <a:pPr lvl="1"/>
             <a:r>
-              <a:rPr lang="zh-CN" altLang="en-US" smtClean="0"/>
+              <a:rPr lang="zh-CN" altLang="en-US"/>
               <a:t>二级</a:t>
             </a:r>
           </a:p>
           <a:p>
             <a:pPr lvl="2"/>
             <a:r>
-              <a:rPr lang="zh-CN" altLang="en-US" smtClean="0"/>
+              <a:rPr lang="zh-CN" altLang="en-US"/>
               <a:t>三级</a:t>
             </a:r>
           </a:p>
           <a:p>
             <a:pPr lvl="3"/>
             <a:r>
-              <a:rPr lang="zh-CN" altLang="en-US" smtClean="0"/>
+              <a:rPr lang="zh-CN" altLang="en-US"/>
               <a:t>四级</a:t>
             </a:r>
           </a:p>
           <a:p>
             <a:pPr lvl="4"/>
             <a:r>
-              <a:rPr lang="zh-CN" altLang="en-US" smtClean="0"/>
+              <a:rPr lang="zh-CN" altLang="en-US"/>
               <a:t>五级</a:t>
             </a:r>
             <a:endParaRPr lang="en-US" dirty="0"/>
@@ -3442,7 +4149,7 @@
             <a:fld id="{C6C52C72-DE31-F449-A4ED-4C594FD91407}" type="datetimeFigureOut">
               <a:rPr lang="en-US" dirty="0"/>
               <a:pPr/>
-              <a:t>7/8/19</a:t>
+              <a:t>7/18/19</a:t>
             </a:fld>
             <a:endParaRPr lang="en-US" dirty="0"/>
           </a:p>
@@ -3595,7 +4302,7 @@
           <a:ln/>
           <a:extLst>
             <a:ext uri="{91240B29-F687-4f45-9708-019B960494DF}">
-              <a14:hiddenLine xmlns="" xmlns:a14="http://schemas.microsoft.com/office/drawing/2010/main" w="9525">
+              <a14:hiddenLine xmlns:a14="http://schemas.microsoft.com/office/drawing/2010/main" xmlns="" w="9525">
                 <a:solidFill>
                   <a:srgbClr val="000000"/>
                 </a:solidFill>
@@ -3642,7 +4349,7 @@
           <a:lstStyle/>
           <a:p>
             <a:r>
-              <a:rPr lang="zh-CN" altLang="en-US" smtClean="0"/>
+              <a:rPr lang="zh-CN" altLang="en-US"/>
               <a:t>单击此处编辑母版标题样式</a:t>
             </a:r>
             <a:endParaRPr lang="en-US" dirty="0"/>
@@ -3671,35 +4378,35 @@
           <a:p>
             <a:pPr lvl="0"/>
             <a:r>
-              <a:rPr lang="zh-CN" altLang="en-US" smtClean="0"/>
+              <a:rPr lang="zh-CN" altLang="en-US"/>
               <a:t>单击此处编辑母版文本样式</a:t>
             </a:r>
           </a:p>
           <a:p>
             <a:pPr lvl="1"/>
             <a:r>
-              <a:rPr lang="zh-CN" altLang="en-US" smtClean="0"/>
+              <a:rPr lang="zh-CN" altLang="en-US"/>
               <a:t>二级</a:t>
             </a:r>
           </a:p>
           <a:p>
             <a:pPr lvl="2"/>
             <a:r>
-              <a:rPr lang="zh-CN" altLang="en-US" smtClean="0"/>
+              <a:rPr lang="zh-CN" altLang="en-US"/>
               <a:t>三级</a:t>
             </a:r>
           </a:p>
           <a:p>
             <a:pPr lvl="3"/>
             <a:r>
-              <a:rPr lang="zh-CN" altLang="en-US" smtClean="0"/>
+              <a:rPr lang="zh-CN" altLang="en-US"/>
               <a:t>四级</a:t>
             </a:r>
           </a:p>
           <a:p>
             <a:pPr lvl="4"/>
             <a:r>
-              <a:rPr lang="zh-CN" altLang="en-US" smtClean="0"/>
+              <a:rPr lang="zh-CN" altLang="en-US"/>
               <a:t>五级</a:t>
             </a:r>
             <a:endParaRPr lang="en-US" dirty="0"/>
@@ -3724,7 +4431,7 @@
             <a:fld id="{ED62726E-379B-B349-9EED-81ED093FA806}" type="datetimeFigureOut">
               <a:rPr lang="en-US" dirty="0"/>
               <a:pPr/>
-              <a:t>7/8/19</a:t>
+              <a:t>7/18/19</a:t>
             </a:fld>
             <a:endParaRPr lang="en-US" dirty="0"/>
           </a:p>
@@ -3875,7 +4582,7 @@
           <a:ln/>
           <a:extLst>
             <a:ext uri="{91240B29-F687-4f45-9708-019B960494DF}">
-              <a14:hiddenLine xmlns="" xmlns:a14="http://schemas.microsoft.com/office/drawing/2010/main" w="9525">
+              <a14:hiddenLine xmlns:a14="http://schemas.microsoft.com/office/drawing/2010/main" xmlns="" w="9525">
                 <a:solidFill>
                   <a:srgbClr val="000000"/>
                 </a:solidFill>
@@ -3922,7 +4629,7 @@
           <a:lstStyle/>
           <a:p>
             <a:r>
-              <a:rPr lang="zh-CN" altLang="en-US" smtClean="0"/>
+              <a:rPr lang="zh-CN" altLang="en-US"/>
               <a:t>单击此处编辑母版标题样式</a:t>
             </a:r>
             <a:endParaRPr lang="en-US" dirty="0"/>
@@ -3951,35 +4658,35 @@
           <a:p>
             <a:pPr lvl="0"/>
             <a:r>
-              <a:rPr lang="zh-CN" altLang="en-US" smtClean="0"/>
+              <a:rPr lang="zh-CN" altLang="en-US"/>
               <a:t>单击此处编辑母版文本样式</a:t>
             </a:r>
           </a:p>
           <a:p>
             <a:pPr lvl="1"/>
             <a:r>
-              <a:rPr lang="zh-CN" altLang="en-US" smtClean="0"/>
+              <a:rPr lang="zh-CN" altLang="en-US"/>
               <a:t>二级</a:t>
             </a:r>
           </a:p>
           <a:p>
             <a:pPr lvl="2"/>
             <a:r>
-              <a:rPr lang="zh-CN" altLang="en-US" smtClean="0"/>
+              <a:rPr lang="zh-CN" altLang="en-US"/>
               <a:t>三级</a:t>
             </a:r>
           </a:p>
           <a:p>
             <a:pPr lvl="3"/>
             <a:r>
-              <a:rPr lang="zh-CN" altLang="en-US" smtClean="0"/>
+              <a:rPr lang="zh-CN" altLang="en-US"/>
               <a:t>四级</a:t>
             </a:r>
           </a:p>
           <a:p>
             <a:pPr lvl="4"/>
             <a:r>
-              <a:rPr lang="zh-CN" altLang="en-US" smtClean="0"/>
+              <a:rPr lang="zh-CN" altLang="en-US"/>
               <a:t>五级</a:t>
             </a:r>
             <a:endParaRPr lang="en-US" dirty="0"/>
@@ -4004,7 +4711,7 @@
             <a:fld id="{9B3A1323-8D79-1946-B0D7-40001CF92E9D}" type="datetimeFigureOut">
               <a:rPr lang="en-US" dirty="0"/>
               <a:pPr/>
-              <a:t>7/8/19</a:t>
+              <a:t>7/18/19</a:t>
             </a:fld>
             <a:endParaRPr lang="en-US" dirty="0"/>
           </a:p>
@@ -4200,7 +4907,7 @@
           </a:lstStyle>
           <a:p>
             <a:r>
-              <a:rPr lang="zh-CN" altLang="en-US" smtClean="0"/>
+              <a:rPr lang="zh-CN" altLang="en-US"/>
               <a:t>单击此处编辑母版标题样式</a:t>
             </a:r>
             <a:endParaRPr lang="en-US" dirty="0"/>
@@ -4320,7 +5027,7 @@
           <a:p>
             <a:pPr lvl="0"/>
             <a:r>
-              <a:rPr lang="zh-CN" altLang="en-US" smtClean="0"/>
+              <a:rPr lang="zh-CN" altLang="en-US"/>
               <a:t>单击此处编辑母版文本样式</a:t>
             </a:r>
           </a:p>
@@ -4344,7 +5051,7 @@
             <a:fld id="{8DFA1846-DA80-1C48-A609-854EA85C59AD}" type="datetimeFigureOut">
               <a:rPr lang="en-US" dirty="0"/>
               <a:pPr/>
-              <a:t>7/8/19</a:t>
+              <a:t>7/18/19</a:t>
             </a:fld>
             <a:endParaRPr lang="en-US" dirty="0"/>
           </a:p>
@@ -4495,7 +5202,7 @@
           <a:ln/>
           <a:extLst>
             <a:ext uri="{91240B29-F687-4f45-9708-019B960494DF}">
-              <a14:hiddenLine xmlns="" xmlns:a14="http://schemas.microsoft.com/office/drawing/2010/main" w="9525">
+              <a14:hiddenLine xmlns:a14="http://schemas.microsoft.com/office/drawing/2010/main" xmlns="" w="9525">
                 <a:solidFill>
                   <a:srgbClr val="000000"/>
                 </a:solidFill>
@@ -4537,7 +5244,7 @@
           <a:lstStyle/>
           <a:p>
             <a:r>
-              <a:rPr lang="zh-CN" altLang="en-US" smtClean="0"/>
+              <a:rPr lang="zh-CN" altLang="en-US"/>
               <a:t>单击此处编辑母版标题样式</a:t>
             </a:r>
             <a:endParaRPr lang="en-US" dirty="0"/>
@@ -4568,35 +5275,35 @@
           <a:p>
             <a:pPr lvl="0"/>
             <a:r>
-              <a:rPr lang="zh-CN" altLang="en-US" smtClean="0"/>
+              <a:rPr lang="zh-CN" altLang="en-US"/>
               <a:t>单击此处编辑母版文本样式</a:t>
             </a:r>
           </a:p>
           <a:p>
             <a:pPr lvl="1"/>
             <a:r>
-              <a:rPr lang="zh-CN" altLang="en-US" smtClean="0"/>
+              <a:rPr lang="zh-CN" altLang="en-US"/>
               <a:t>二级</a:t>
             </a:r>
           </a:p>
           <a:p>
             <a:pPr lvl="2"/>
             <a:r>
-              <a:rPr lang="zh-CN" altLang="en-US" smtClean="0"/>
+              <a:rPr lang="zh-CN" altLang="en-US"/>
               <a:t>三级</a:t>
             </a:r>
           </a:p>
           <a:p>
             <a:pPr lvl="3"/>
             <a:r>
-              <a:rPr lang="zh-CN" altLang="en-US" smtClean="0"/>
+              <a:rPr lang="zh-CN" altLang="en-US"/>
               <a:t>四级</a:t>
             </a:r>
           </a:p>
           <a:p>
             <a:pPr lvl="4"/>
             <a:r>
-              <a:rPr lang="zh-CN" altLang="en-US" smtClean="0"/>
+              <a:rPr lang="zh-CN" altLang="en-US"/>
               <a:t>五级</a:t>
             </a:r>
             <a:endParaRPr lang="en-US" dirty="0"/>
@@ -4627,35 +5334,35 @@
           <a:p>
             <a:pPr lvl="0"/>
             <a:r>
-              <a:rPr lang="zh-CN" altLang="en-US" smtClean="0"/>
+              <a:rPr lang="zh-CN" altLang="en-US"/>
               <a:t>单击此处编辑母版文本样式</a:t>
             </a:r>
           </a:p>
           <a:p>
             <a:pPr lvl="1"/>
             <a:r>
-              <a:rPr lang="zh-CN" altLang="en-US" smtClean="0"/>
+              <a:rPr lang="zh-CN" altLang="en-US"/>
               <a:t>二级</a:t>
             </a:r>
           </a:p>
           <a:p>
             <a:pPr lvl="2"/>
             <a:r>
-              <a:rPr lang="zh-CN" altLang="en-US" smtClean="0"/>
+              <a:rPr lang="zh-CN" altLang="en-US"/>
               <a:t>三级</a:t>
             </a:r>
           </a:p>
           <a:p>
             <a:pPr lvl="3"/>
             <a:r>
-              <a:rPr lang="zh-CN" altLang="en-US" smtClean="0"/>
+              <a:rPr lang="zh-CN" altLang="en-US"/>
               <a:t>四级</a:t>
             </a:r>
           </a:p>
           <a:p>
             <a:pPr lvl="4"/>
             <a:r>
-              <a:rPr lang="zh-CN" altLang="en-US" smtClean="0"/>
+              <a:rPr lang="zh-CN" altLang="en-US"/>
               <a:t>五级</a:t>
             </a:r>
             <a:endParaRPr lang="en-US" dirty="0"/>
@@ -4680,7 +5387,7 @@
             <a:fld id="{57302355-E14B-8545-A8F8-0FE83CC9D524}" type="datetimeFigureOut">
               <a:rPr lang="en-US" dirty="0"/>
               <a:pPr/>
-              <a:t>7/8/19</a:t>
+              <a:t>7/18/19</a:t>
             </a:fld>
             <a:endParaRPr lang="en-US" dirty="0"/>
           </a:p>
@@ -4831,7 +5538,7 @@
           <a:ln/>
           <a:extLst>
             <a:ext uri="{91240B29-F687-4f45-9708-019B960494DF}">
-              <a14:hiddenLine xmlns="" xmlns:a14="http://schemas.microsoft.com/office/drawing/2010/main" w="9525">
+              <a14:hiddenLine xmlns:a14="http://schemas.microsoft.com/office/drawing/2010/main" xmlns="" w="9525">
                 <a:solidFill>
                   <a:srgbClr val="000000"/>
                 </a:solidFill>
@@ -4877,7 +5584,7 @@
           </a:lstStyle>
           <a:p>
             <a:r>
-              <a:rPr lang="zh-CN" altLang="en-US" smtClean="0"/>
+              <a:rPr lang="zh-CN" altLang="en-US"/>
               <a:t>单击此处编辑母版标题样式</a:t>
             </a:r>
             <a:endParaRPr lang="en-US" dirty="0"/>
@@ -4945,7 +5652,7 @@
           <a:p>
             <a:pPr lvl="0"/>
             <a:r>
-              <a:rPr lang="zh-CN" altLang="en-US" smtClean="0"/>
+              <a:rPr lang="zh-CN" altLang="en-US"/>
               <a:t>单击此处编辑母版文本样式</a:t>
             </a:r>
           </a:p>
@@ -4975,35 +5682,35 @@
           <a:p>
             <a:pPr lvl="0"/>
             <a:r>
-              <a:rPr lang="zh-CN" altLang="en-US" smtClean="0"/>
+              <a:rPr lang="zh-CN" altLang="en-US"/>
               <a:t>单击此处编辑母版文本样式</a:t>
             </a:r>
           </a:p>
           <a:p>
             <a:pPr lvl="1"/>
             <a:r>
-              <a:rPr lang="zh-CN" altLang="en-US" smtClean="0"/>
+              <a:rPr lang="zh-CN" altLang="en-US"/>
               <a:t>二级</a:t>
             </a:r>
           </a:p>
           <a:p>
             <a:pPr lvl="2"/>
             <a:r>
-              <a:rPr lang="zh-CN" altLang="en-US" smtClean="0"/>
+              <a:rPr lang="zh-CN" altLang="en-US"/>
               <a:t>三级</a:t>
             </a:r>
           </a:p>
           <a:p>
             <a:pPr lvl="3"/>
             <a:r>
-              <a:rPr lang="zh-CN" altLang="en-US" smtClean="0"/>
+              <a:rPr lang="zh-CN" altLang="en-US"/>
               <a:t>四级</a:t>
             </a:r>
           </a:p>
           <a:p>
             <a:pPr lvl="4"/>
             <a:r>
-              <a:rPr lang="zh-CN" altLang="en-US" smtClean="0"/>
+              <a:rPr lang="zh-CN" altLang="en-US"/>
               <a:t>五级</a:t>
             </a:r>
             <a:endParaRPr lang="en-US" dirty="0"/>
@@ -5071,7 +5778,7 @@
           <a:p>
             <a:pPr lvl="0"/>
             <a:r>
-              <a:rPr lang="zh-CN" altLang="en-US" smtClean="0"/>
+              <a:rPr lang="zh-CN" altLang="en-US"/>
               <a:t>单击此处编辑母版文本样式</a:t>
             </a:r>
           </a:p>
@@ -5101,35 +5808,35 @@
           <a:p>
             <a:pPr lvl="0"/>
             <a:r>
-              <a:rPr lang="zh-CN" altLang="en-US" smtClean="0"/>
+              <a:rPr lang="zh-CN" altLang="en-US"/>
               <a:t>单击此处编辑母版文本样式</a:t>
             </a:r>
           </a:p>
           <a:p>
             <a:pPr lvl="1"/>
             <a:r>
-              <a:rPr lang="zh-CN" altLang="en-US" smtClean="0"/>
+              <a:rPr lang="zh-CN" altLang="en-US"/>
               <a:t>二级</a:t>
             </a:r>
           </a:p>
           <a:p>
             <a:pPr lvl="2"/>
             <a:r>
-              <a:rPr lang="zh-CN" altLang="en-US" smtClean="0"/>
+              <a:rPr lang="zh-CN" altLang="en-US"/>
               <a:t>三级</a:t>
             </a:r>
           </a:p>
           <a:p>
             <a:pPr lvl="3"/>
             <a:r>
-              <a:rPr lang="zh-CN" altLang="en-US" smtClean="0"/>
+              <a:rPr lang="zh-CN" altLang="en-US"/>
               <a:t>四级</a:t>
             </a:r>
           </a:p>
           <a:p>
             <a:pPr lvl="4"/>
             <a:r>
-              <a:rPr lang="zh-CN" altLang="en-US" smtClean="0"/>
+              <a:rPr lang="zh-CN" altLang="en-US"/>
               <a:t>五级</a:t>
             </a:r>
             <a:endParaRPr lang="en-US" dirty="0"/>
@@ -5154,7 +5861,7 @@
             <a:fld id="{02640F58-564D-2B4F-AE67-E407BA4FCF45}" type="datetimeFigureOut">
               <a:rPr lang="en-US" dirty="0"/>
               <a:pPr/>
-              <a:t>7/8/19</a:t>
+              <a:t>7/18/19</a:t>
             </a:fld>
             <a:endParaRPr lang="en-US" dirty="0"/>
           </a:p>
@@ -5305,7 +6012,7 @@
           <a:ln/>
           <a:extLst>
             <a:ext uri="{91240B29-F687-4f45-9708-019B960494DF}">
-              <a14:hiddenLine xmlns="" xmlns:a14="http://schemas.microsoft.com/office/drawing/2010/main" w="9525">
+              <a14:hiddenLine xmlns:a14="http://schemas.microsoft.com/office/drawing/2010/main" xmlns="" w="9525">
                 <a:solidFill>
                   <a:srgbClr val="000000"/>
                 </a:solidFill>
@@ -5347,7 +6054,7 @@
           <a:lstStyle/>
           <a:p>
             <a:r>
-              <a:rPr lang="zh-CN" altLang="en-US" smtClean="0"/>
+              <a:rPr lang="zh-CN" altLang="en-US"/>
               <a:t>单击此处编辑母版标题样式</a:t>
             </a:r>
             <a:endParaRPr lang="en-US" dirty="0"/>
@@ -5372,7 +6079,7 @@
             <a:fld id="{F13A34C8-038E-2045-AF43-DF7DBB8E0E9E}" type="datetimeFigureOut">
               <a:rPr lang="en-US" dirty="0"/>
               <a:pPr/>
-              <a:t>7/8/19</a:t>
+              <a:t>7/18/19</a:t>
             </a:fld>
             <a:endParaRPr lang="en-US" dirty="0"/>
           </a:p>
@@ -5464,7 +6171,7 @@
             <a:fld id="{8818C68F-D26B-8F47-958C-23B49CF8A634}" type="datetimeFigureOut">
               <a:rPr lang="en-US" dirty="0"/>
               <a:pPr/>
-              <a:t>7/8/19</a:t>
+              <a:t>7/18/19</a:t>
             </a:fld>
             <a:endParaRPr lang="en-US" dirty="0"/>
           </a:p>
@@ -5728,7 +6435,7 @@
           <a:ln/>
           <a:extLst>
             <a:ext uri="{91240B29-F687-4f45-9708-019B960494DF}">
-              <a14:hiddenLine xmlns="" xmlns:a14="http://schemas.microsoft.com/office/drawing/2010/main" w="9525">
+              <a14:hiddenLine xmlns:a14="http://schemas.microsoft.com/office/drawing/2010/main" xmlns="" w="9525">
                 <a:solidFill>
                   <a:srgbClr val="000000"/>
                 </a:solidFill>
@@ -5779,7 +6486,7 @@
           </a:lstStyle>
           <a:p>
             <a:r>
-              <a:rPr lang="zh-CN" altLang="en-US" smtClean="0"/>
+              <a:rPr lang="zh-CN" altLang="en-US"/>
               <a:t>单击此处编辑母版标题样式</a:t>
             </a:r>
             <a:endParaRPr lang="en-US" dirty="0"/>
@@ -5810,35 +6517,35 @@
           <a:p>
             <a:pPr lvl="0"/>
             <a:r>
-              <a:rPr lang="zh-CN" altLang="en-US" smtClean="0"/>
+              <a:rPr lang="zh-CN" altLang="en-US"/>
               <a:t>单击此处编辑母版文本样式</a:t>
             </a:r>
           </a:p>
           <a:p>
             <a:pPr lvl="1"/>
             <a:r>
-              <a:rPr lang="zh-CN" altLang="en-US" smtClean="0"/>
+              <a:rPr lang="zh-CN" altLang="en-US"/>
               <a:t>二级</a:t>
             </a:r>
           </a:p>
           <a:p>
             <a:pPr lvl="2"/>
             <a:r>
-              <a:rPr lang="zh-CN" altLang="en-US" smtClean="0"/>
+              <a:rPr lang="zh-CN" altLang="en-US"/>
               <a:t>三级</a:t>
             </a:r>
           </a:p>
           <a:p>
             <a:pPr lvl="3"/>
             <a:r>
-              <a:rPr lang="zh-CN" altLang="en-US" smtClean="0"/>
+              <a:rPr lang="zh-CN" altLang="en-US"/>
               <a:t>四级</a:t>
             </a:r>
           </a:p>
           <a:p>
             <a:pPr lvl="4"/>
             <a:r>
-              <a:rPr lang="zh-CN" altLang="en-US" smtClean="0"/>
+              <a:rPr lang="zh-CN" altLang="en-US"/>
               <a:t>五级</a:t>
             </a:r>
             <a:endParaRPr lang="en-US" dirty="0"/>
@@ -5904,7 +6611,7 @@
           <a:p>
             <a:pPr lvl="0"/>
             <a:r>
-              <a:rPr lang="zh-CN" altLang="en-US" smtClean="0"/>
+              <a:rPr lang="zh-CN" altLang="en-US"/>
               <a:t>单击此处编辑母版文本样式</a:t>
             </a:r>
           </a:p>
@@ -5928,7 +6635,7 @@
             <a:fld id="{D0DF5E60-9974-AC48-9591-99C2BB44B7CF}" type="datetimeFigureOut">
               <a:rPr lang="en-US" dirty="0"/>
               <a:pPr/>
-              <a:t>7/8/19</a:t>
+              <a:t>7/18/19</a:t>
             </a:fld>
             <a:endParaRPr lang="en-US" dirty="0"/>
           </a:p>
@@ -6029,7 +6736,7 @@
           </a:lstStyle>
           <a:p>
             <a:r>
-              <a:rPr lang="zh-CN" altLang="en-US" smtClean="0"/>
+              <a:rPr lang="zh-CN" altLang="en-US"/>
               <a:t>单击此处编辑母版标题样式</a:t>
             </a:r>
             <a:endParaRPr lang="en-US" dirty="0"/>
@@ -6141,7 +6848,7 @@
           </a:lstStyle>
           <a:p>
             <a:r>
-              <a:rPr lang="zh-CN" altLang="en-US" smtClean="0"/>
+              <a:rPr lang="zh-CN" altLang="en-US"/>
               <a:t>将图片拖动到占位符，或单击添加图标</a:t>
             </a:r>
             <a:endParaRPr lang="en-US" dirty="0"/>
@@ -6209,7 +6916,7 @@
           <a:p>
             <a:pPr lvl="0"/>
             <a:r>
-              <a:rPr lang="zh-CN" altLang="en-US" smtClean="0"/>
+              <a:rPr lang="zh-CN" altLang="en-US"/>
               <a:t>单击此处编辑母版文本样式</a:t>
             </a:r>
           </a:p>
@@ -6238,7 +6945,7 @@
             <a:fld id="{18C79C5D-2A6F-F04D-97DA-BEF2467B64E4}" type="datetimeFigureOut">
               <a:rPr lang="en-US" dirty="0"/>
               <a:pPr/>
-              <a:t>7/8/19</a:t>
+              <a:t>7/18/19</a:t>
             </a:fld>
             <a:endParaRPr lang="en-US" dirty="0"/>
           </a:p>
@@ -6360,7 +7067,7 @@
           <a:lstStyle/>
           <a:p>
             <a:r>
-              <a:rPr lang="zh-CN" altLang="en-US" smtClean="0"/>
+              <a:rPr lang="zh-CN" altLang="en-US"/>
               <a:t>单击此处编辑母版标题样式</a:t>
             </a:r>
             <a:endParaRPr lang="en-US" dirty="0"/>
@@ -6401,35 +7108,35 @@
           <a:p>
             <a:pPr lvl="0"/>
             <a:r>
-              <a:rPr lang="zh-CN" altLang="en-US" smtClean="0"/>
+              <a:rPr lang="zh-CN" altLang="en-US"/>
               <a:t>单击此处编辑母版文本样式</a:t>
             </a:r>
           </a:p>
           <a:p>
             <a:pPr lvl="1"/>
             <a:r>
-              <a:rPr lang="zh-CN" altLang="en-US" smtClean="0"/>
+              <a:rPr lang="zh-CN" altLang="en-US"/>
               <a:t>二级</a:t>
             </a:r>
           </a:p>
           <a:p>
             <a:pPr lvl="2"/>
             <a:r>
-              <a:rPr lang="zh-CN" altLang="en-US" smtClean="0"/>
+              <a:rPr lang="zh-CN" altLang="en-US"/>
               <a:t>三级</a:t>
             </a:r>
           </a:p>
           <a:p>
             <a:pPr lvl="3"/>
             <a:r>
-              <a:rPr lang="zh-CN" altLang="en-US" smtClean="0"/>
+              <a:rPr lang="zh-CN" altLang="en-US"/>
               <a:t>四级</a:t>
             </a:r>
           </a:p>
           <a:p>
             <a:pPr lvl="4"/>
             <a:r>
-              <a:rPr lang="zh-CN" altLang="en-US" smtClean="0"/>
+              <a:rPr lang="zh-CN" altLang="en-US"/>
               <a:t>五级</a:t>
             </a:r>
             <a:endParaRPr lang="en-US" dirty="0"/>
@@ -6505,7 +7212,7 @@
             <a:fld id="{09B482E8-6E0E-1B4F-B1FD-C69DB9E858D9}" type="datetimeFigureOut">
               <a:rPr lang="en-US" dirty="0"/>
               <a:pPr/>
-              <a:t>7/8/19</a:t>
+              <a:t>7/18/19</a:t>
             </a:fld>
             <a:endParaRPr lang="en-US" dirty="0"/>
           </a:p>
@@ -6987,10 +7694,9 @@
           <a:p>
             <a:pPr algn="ctr"/>
             <a:r>
-              <a:rPr kumimoji="1" lang="zh-CN" altLang="en-US" dirty="0" smtClean="0"/>
+              <a:rPr kumimoji="1" lang="zh-CN" altLang="en-US" dirty="0"/>
               <a:t>监控</a:t>
             </a:r>
-            <a:endParaRPr kumimoji="1" lang="zh-CN" altLang="en-US" dirty="0"/>
           </a:p>
         </p:txBody>
       </p:sp>
@@ -7028,13 +7734,6 @@
   <p:clrMapOvr>
     <a:masterClrMapping/>
   </p:clrMapOvr>
-  <p:timing>
-    <p:tnLst>
-      <p:par>
-        <p:cTn id="1" dur="indefinite" restart="never" nodeType="tmRoot"/>
-      </p:par>
-    </p:tnLst>
-  </p:timing>
 </p:sld>
 </file>
 
@@ -7188,7 +7887,7 @@
           <a:lstStyle/>
           <a:p>
             <a:r>
-              <a:rPr kumimoji="1" lang="en-US" altLang="zh-CN" dirty="0" smtClean="0"/>
+              <a:rPr kumimoji="1" lang="en-US" altLang="zh-CN" dirty="0"/>
               <a:t>EFK</a:t>
             </a:r>
             <a:endParaRPr kumimoji="1" lang="zh-CN" altLang="en-US" dirty="0"/>
@@ -7231,32 +7930,26 @@
           </a:p>
           <a:p>
             <a:r>
-              <a:rPr kumimoji="1" lang="en-US" altLang="zh-CN" dirty="0" err="1" smtClean="0"/>
+              <a:rPr kumimoji="1" lang="en-US" altLang="zh-CN" dirty="0" err="1"/>
               <a:t>git</a:t>
             </a:r>
             <a:r>
-              <a:rPr kumimoji="1" lang="zh-CN" altLang="en-US" dirty="0" smtClean="0"/>
+              <a:rPr kumimoji="1" lang="zh-CN" altLang="en-US" dirty="0"/>
               <a:t> </a:t>
             </a:r>
             <a:r>
-              <a:rPr kumimoji="1" lang="en-US" altLang="zh-CN" dirty="0" smtClean="0"/>
+              <a:rPr kumimoji="1" lang="en-US" altLang="zh-CN" dirty="0"/>
               <a:t>clone</a:t>
             </a:r>
             <a:r>
-              <a:rPr kumimoji="1" lang="zh-CN" altLang="en-US" dirty="0" smtClean="0"/>
+              <a:rPr kumimoji="1" lang="zh-CN" altLang="en-US" dirty="0"/>
               <a:t> </a:t>
             </a:r>
             <a:r>
               <a:rPr lang="en-US" altLang="zh-CN" u="sng" dirty="0">
                 <a:hlinkClick r:id="rId3"/>
               </a:rPr>
-              <a:t>https://</a:t>
-            </a:r>
-            <a:r>
-              <a:rPr lang="en-US" altLang="zh-CN" u="sng" dirty="0" smtClean="0">
-                <a:hlinkClick r:id="rId3"/>
-              </a:rPr>
-              <a:t>github.com/kubernetes/kubernetes</a:t>
+              <a:t>https://github.com/kubernetes/kubernetes</a:t>
             </a:r>
           </a:p>
           <a:p>
@@ -7285,12 +7978,12 @@
               <a:t>fluentd-elasticsearch</a:t>
             </a:r>
             <a:r>
-              <a:rPr lang="en-US" altLang="zh-CN" u="sng" dirty="0" smtClean="0"/>
+              <a:rPr lang="en-US" altLang="zh-CN" u="sng" dirty="0"/>
               <a:t>/</a:t>
             </a:r>
           </a:p>
           <a:p>
-            <a:endParaRPr kumimoji="1" lang="en-US" altLang="zh-CN" dirty="0" smtClean="0"/>
+            <a:endParaRPr kumimoji="1" lang="en-US" altLang="zh-CN" dirty="0"/>
           </a:p>
           <a:p>
             <a:r>
@@ -7448,7 +8141,7 @@
           <a:lstStyle/>
           <a:p>
             <a:r>
-              <a:rPr kumimoji="1" lang="en-US" altLang="zh-CN" dirty="0" smtClean="0"/>
+              <a:rPr kumimoji="1" lang="en-US" altLang="zh-CN" dirty="0"/>
               <a:t>EFK</a:t>
             </a:r>
             <a:endParaRPr kumimoji="1" lang="zh-CN" altLang="en-US" dirty="0"/>
@@ -7541,23 +8234,16 @@
               <a:t>10.107.100.116</a:t>
             </a:r>
             <a:r>
-              <a:rPr lang="en-US" altLang="zh-CN" dirty="0" smtClean="0"/>
+              <a:rPr lang="en-US" altLang="zh-CN" dirty="0"/>
               <a:t>:9200</a:t>
             </a:r>
-            <a:endParaRPr lang="en-US" altLang="zh-CN" dirty="0"/>
           </a:p>
           <a:p>
             <a:r>
               <a:rPr lang="de-DE" altLang="zh-CN" u="sng" dirty="0">
                 <a:hlinkClick r:id="rId3"/>
               </a:rPr>
-              <a:t>http</a:t>
-            </a:r>
-            <a:r>
-              <a:rPr lang="de-DE" altLang="zh-CN" u="sng" dirty="0" smtClean="0">
-                <a:hlinkClick r:id="rId3"/>
-              </a:rPr>
-              <a:t>://</a:t>
+              <a:t>http://</a:t>
             </a:r>
             <a:r>
               <a:rPr lang="en-US" altLang="zh-CN" u="sng" dirty="0">
@@ -7566,7 +8252,7 @@
               <a:t>10.233.172.7</a:t>
             </a:r>
             <a:r>
-              <a:rPr lang="de-DE" altLang="zh-CN" u="sng" dirty="0" smtClean="0">
+              <a:rPr lang="de-DE" altLang="zh-CN" u="sng" dirty="0">
                 <a:hlinkClick r:id="rId3"/>
               </a:rPr>
               <a:t>:</a:t>
@@ -7578,7 +8264,7 @@
               <a:t>31467</a:t>
             </a:r>
             <a:r>
-              <a:rPr lang="de-DE" altLang="zh-CN" u="sng" dirty="0" smtClean="0">
+              <a:rPr lang="de-DE" altLang="zh-CN" u="sng" dirty="0">
                 <a:hlinkClick r:id="rId3"/>
               </a:rPr>
               <a:t>/app/kibana</a:t>
@@ -7605,13 +8291,8 @@
             </a:r>
             <a:r>
               <a:rPr lang="de-DE" altLang="zh-CN" dirty="0"/>
-              <a:t>-</a:t>
-            </a:r>
-            <a:r>
-              <a:rPr lang="de-DE" altLang="zh-CN" dirty="0" smtClean="0"/>
-              <a:t>*</a:t>
-            </a:r>
-            <a:endParaRPr lang="de-DE" altLang="zh-CN" dirty="0"/>
+              <a:t>-*</a:t>
+            </a:r>
           </a:p>
         </p:txBody>
       </p:sp>
@@ -7661,7 +8342,7 @@
           <a:lstStyle/>
           <a:p>
             <a:r>
-              <a:rPr kumimoji="1" lang="en-US" altLang="zh-CN" dirty="0" smtClean="0"/>
+              <a:rPr kumimoji="1" lang="en-US" altLang="zh-CN" dirty="0"/>
               <a:t>beat</a:t>
             </a:r>
             <a:endParaRPr kumimoji="1" lang="zh-CN" altLang="en-US" dirty="0"/>
@@ -7792,7 +8473,7 @@
             </a:r>
           </a:p>
           <a:p>
-            <a:endParaRPr kumimoji="1" lang="en-US" altLang="zh-CN" dirty="0" smtClean="0"/>
+            <a:endParaRPr kumimoji="1" lang="en-US" altLang="zh-CN" dirty="0"/>
           </a:p>
           <a:p>
             <a:r>
@@ -7921,7 +8602,7 @@
           <a:lstStyle/>
           <a:p>
             <a:r>
-              <a:rPr kumimoji="1" lang="en-US" altLang="zh-CN" dirty="0" smtClean="0"/>
+              <a:rPr kumimoji="1" lang="en-US" altLang="zh-CN" dirty="0"/>
               <a:t>beat</a:t>
             </a:r>
             <a:endParaRPr kumimoji="1" lang="zh-CN" altLang="en-US" dirty="0"/>
@@ -7979,18 +8660,14 @@
             </a:r>
             <a:r>
               <a:rPr lang="en-US" altLang="zh-CN" dirty="0"/>
-              <a:t>-system -l </a:t>
-            </a:r>
-            <a:r>
-              <a:rPr lang="en-US" altLang="zh-CN" dirty="0" smtClean="0"/>
-              <a:t>k8s-app=</a:t>
-            </a:r>
-            <a:r>
-              <a:rPr lang="en-US" altLang="zh-CN" dirty="0" err="1" smtClean="0"/>
+              <a:t>-system -l k8s-app=</a:t>
+            </a:r>
+            <a:r>
+              <a:rPr lang="en-US" altLang="zh-CN" dirty="0" err="1"/>
               <a:t>filebeat</a:t>
             </a:r>
             <a:r>
-              <a:rPr lang="en-US" altLang="zh-CN" dirty="0" smtClean="0"/>
+              <a:rPr lang="en-US" altLang="zh-CN" dirty="0"/>
               <a:t>-dynamic</a:t>
             </a:r>
           </a:p>
@@ -8126,7 +8803,7 @@
           <a:lstStyle/>
           <a:p>
             <a:r>
-              <a:rPr kumimoji="1" lang="en-US" altLang="zh-CN" dirty="0" smtClean="0"/>
+              <a:rPr kumimoji="1" lang="en-US" altLang="zh-CN" dirty="0"/>
               <a:t>beat</a:t>
             </a:r>
             <a:endParaRPr kumimoji="1" lang="zh-CN" altLang="en-US" dirty="0"/>
@@ -8164,149 +8841,115 @@
               <a:rPr lang="en-US" altLang="zh-CN" dirty="0"/>
               <a:t> </a:t>
             </a:r>
-            <a:endParaRPr lang="en-US" altLang="zh-CN" dirty="0" smtClean="0"/>
-          </a:p>
-          <a:p>
-            <a:r>
-              <a:rPr lang="en-US" altLang="zh-CN" dirty="0" err="1" smtClean="0"/>
+          </a:p>
+          <a:p>
+            <a:r>
+              <a:rPr lang="en-US" altLang="zh-CN" dirty="0" err="1"/>
               <a:t>kubectl</a:t>
             </a:r>
             <a:r>
-              <a:rPr lang="en-US" altLang="zh-CN" dirty="0" smtClean="0"/>
+              <a:rPr lang="en-US" altLang="zh-CN" dirty="0"/>
+              <a:t> delete service -l app=</a:t>
+            </a:r>
+            <a:r>
+              <a:rPr lang="en-US" altLang="zh-CN" dirty="0" err="1"/>
+              <a:t>redis</a:t>
+            </a:r>
+            <a:r>
+              <a:rPr lang="en-US" altLang="zh-CN" dirty="0"/>
               <a:t> </a:t>
             </a:r>
-            <a:r>
-              <a:rPr lang="en-US" altLang="zh-CN" dirty="0"/>
-              <a:t>delete service -l app=</a:t>
-            </a:r>
-            <a:r>
-              <a:rPr lang="en-US" altLang="zh-CN" dirty="0" err="1"/>
-              <a:t>redis</a:t>
-            </a:r>
+          </a:p>
+          <a:p>
+            <a:r>
+              <a:rPr lang="en-US" altLang="zh-CN" dirty="0" err="1"/>
+              <a:t>kubectl</a:t>
+            </a:r>
+            <a:r>
+              <a:rPr lang="en-US" altLang="zh-CN" dirty="0"/>
+              <a:t> delete deployment -l app=guestbook</a:t>
+            </a:r>
+          </a:p>
+          <a:p>
             <a:r>
               <a:rPr lang="en-US" altLang="zh-CN" dirty="0"/>
               <a:t> </a:t>
             </a:r>
-            <a:endParaRPr lang="en-US" altLang="zh-CN" dirty="0" smtClean="0"/>
-          </a:p>
-          <a:p>
-            <a:r>
-              <a:rPr lang="en-US" altLang="zh-CN" dirty="0" err="1" smtClean="0"/>
+            <a:r>
+              <a:rPr lang="en-US" altLang="zh-CN" dirty="0" err="1"/>
               <a:t>kubectl</a:t>
             </a:r>
             <a:r>
-              <a:rPr lang="en-US" altLang="zh-CN" dirty="0" smtClean="0"/>
+              <a:rPr lang="en-US" altLang="zh-CN" dirty="0"/>
+              <a:t> delete service -l app=guestbook </a:t>
+            </a:r>
+          </a:p>
+          <a:p>
+            <a:r>
+              <a:rPr lang="en-US" altLang="zh-CN" dirty="0" err="1"/>
+              <a:t>kubectl</a:t>
+            </a:r>
+            <a:r>
+              <a:rPr lang="en-US" altLang="zh-CN" dirty="0"/>
+              <a:t> delete -f </a:t>
+            </a:r>
+            <a:r>
+              <a:rPr lang="en-US" altLang="zh-CN" dirty="0" err="1"/>
+              <a:t>filebeat-kubernetes.yaml</a:t>
+            </a:r>
+            <a:r>
+              <a:rPr lang="en-US" altLang="zh-CN" dirty="0"/>
               <a:t> </a:t>
             </a:r>
             <a:r>
-              <a:rPr lang="en-US" altLang="zh-CN" dirty="0"/>
-              <a:t>delete deployment -l </a:t>
-            </a:r>
-            <a:r>
-              <a:rPr lang="en-US" altLang="zh-CN" dirty="0" smtClean="0"/>
-              <a:t>app=guestbook</a:t>
-            </a:r>
-          </a:p>
-          <a:p>
-            <a:r>
-              <a:rPr lang="en-US" altLang="zh-CN" dirty="0" smtClean="0"/>
+              <a:rPr lang="en-US" altLang="zh-CN" dirty="0" err="1"/>
+              <a:t>kubectl</a:t>
+            </a:r>
+            <a:r>
+              <a:rPr lang="en-US" altLang="zh-CN" dirty="0"/>
               <a:t> </a:t>
             </a:r>
+          </a:p>
+          <a:p>
+            <a:r>
+              <a:rPr lang="en-US" altLang="zh-CN" dirty="0"/>
+              <a:t>delete -f </a:t>
+            </a:r>
+            <a:r>
+              <a:rPr lang="en-US" altLang="zh-CN" dirty="0" err="1"/>
+              <a:t>metricbeat-kubernetes.yaml</a:t>
+            </a:r>
+            <a:r>
+              <a:rPr lang="en-US" altLang="zh-CN" dirty="0"/>
+              <a:t> </a:t>
+            </a:r>
+          </a:p>
+          <a:p>
             <a:r>
               <a:rPr lang="en-US" altLang="zh-CN" dirty="0" err="1"/>
               <a:t>kubectl</a:t>
             </a:r>
             <a:r>
               <a:rPr lang="en-US" altLang="zh-CN" dirty="0"/>
-              <a:t> delete service -l app=guestbook </a:t>
-            </a:r>
-            <a:endParaRPr lang="en-US" altLang="zh-CN" dirty="0" smtClean="0"/>
-          </a:p>
-          <a:p>
-            <a:r>
-              <a:rPr lang="en-US" altLang="zh-CN" dirty="0" err="1" smtClean="0"/>
+              <a:t> delete -f </a:t>
+            </a:r>
+            <a:r>
+              <a:rPr lang="en-US" altLang="zh-CN" dirty="0" err="1"/>
+              <a:t>packetbeat-kubernetes.yaml</a:t>
+            </a:r>
+            <a:r>
+              <a:rPr lang="en-US" altLang="zh-CN" dirty="0"/>
+              <a:t> </a:t>
+            </a:r>
+          </a:p>
+          <a:p>
+            <a:r>
+              <a:rPr lang="en-US" altLang="zh-CN" dirty="0" err="1"/>
               <a:t>kubectl</a:t>
             </a:r>
             <a:r>
-              <a:rPr lang="en-US" altLang="zh-CN" dirty="0" smtClean="0"/>
-              <a:t> </a:t>
-            </a:r>
-            <a:r>
-              <a:rPr lang="en-US" altLang="zh-CN" dirty="0"/>
-              <a:t>delete -f </a:t>
-            </a:r>
-            <a:r>
-              <a:rPr lang="en-US" altLang="zh-CN" dirty="0" err="1"/>
-              <a:t>filebeat-kubernetes.yaml</a:t>
-            </a:r>
-            <a:r>
-              <a:rPr lang="en-US" altLang="zh-CN" dirty="0"/>
-              <a:t> </a:t>
-            </a:r>
-            <a:r>
-              <a:rPr lang="en-US" altLang="zh-CN" dirty="0" err="1"/>
-              <a:t>kubectl</a:t>
-            </a:r>
-            <a:r>
-              <a:rPr lang="en-US" altLang="zh-CN" dirty="0"/>
-              <a:t> </a:t>
-            </a:r>
-            <a:endParaRPr lang="en-US" altLang="zh-CN" dirty="0" smtClean="0"/>
-          </a:p>
-          <a:p>
-            <a:r>
-              <a:rPr lang="en-US" altLang="zh-CN" dirty="0" smtClean="0"/>
-              <a:t>delete </a:t>
-            </a:r>
-            <a:r>
-              <a:rPr lang="en-US" altLang="zh-CN" dirty="0"/>
-              <a:t>-f </a:t>
-            </a:r>
-            <a:r>
-              <a:rPr lang="en-US" altLang="zh-CN" dirty="0" err="1"/>
-              <a:t>metricbeat-kubernetes.yaml</a:t>
-            </a:r>
-            <a:r>
-              <a:rPr lang="en-US" altLang="zh-CN" dirty="0"/>
-              <a:t> </a:t>
-            </a:r>
-            <a:endParaRPr lang="en-US" altLang="zh-CN" dirty="0" smtClean="0"/>
-          </a:p>
-          <a:p>
-            <a:r>
-              <a:rPr lang="en-US" altLang="zh-CN" dirty="0" err="1" smtClean="0"/>
-              <a:t>kubectl</a:t>
-            </a:r>
-            <a:r>
-              <a:rPr lang="en-US" altLang="zh-CN" dirty="0" smtClean="0"/>
-              <a:t> </a:t>
-            </a:r>
-            <a:r>
-              <a:rPr lang="en-US" altLang="zh-CN" dirty="0"/>
-              <a:t>delete -f </a:t>
-            </a:r>
-            <a:r>
-              <a:rPr lang="en-US" altLang="zh-CN" dirty="0" err="1"/>
-              <a:t>packetbeat-kubernetes.yaml</a:t>
-            </a:r>
-            <a:r>
-              <a:rPr lang="en-US" altLang="zh-CN" dirty="0"/>
-              <a:t> </a:t>
-            </a:r>
-            <a:endParaRPr lang="en-US" altLang="zh-CN" dirty="0" smtClean="0"/>
-          </a:p>
-          <a:p>
-            <a:r>
-              <a:rPr lang="en-US" altLang="zh-CN" dirty="0" err="1" smtClean="0"/>
-              <a:t>kubectl</a:t>
-            </a:r>
-            <a:r>
-              <a:rPr lang="en-US" altLang="zh-CN" dirty="0" smtClean="0"/>
-              <a:t> </a:t>
-            </a:r>
-            <a:r>
-              <a:rPr lang="en-US" altLang="zh-CN" dirty="0"/>
-              <a:t>delete secret dynamic-logging -n </a:t>
+              <a:rPr lang="en-US" altLang="zh-CN" dirty="0"/>
+              <a:t> delete secret dynamic-logging -n </a:t>
             </a:r>
             <a:r>
               <a:rPr lang="en-US" altLang="zh-CN" dirty="0" err="1"/>
@@ -8368,7 +9011,7 @@
           <a:lstStyle/>
           <a:p>
             <a:r>
-              <a:rPr kumimoji="1" lang="en-US" altLang="zh-CN" dirty="0" smtClean="0"/>
+              <a:rPr kumimoji="1" lang="en-US" altLang="zh-CN" dirty="0"/>
               <a:t>Agenda</a:t>
             </a:r>
             <a:endParaRPr kumimoji="1" lang="zh-CN" altLang="en-US" dirty="0"/>
@@ -8391,43 +9034,43 @@
           <a:lstStyle/>
           <a:p>
             <a:r>
-              <a:rPr kumimoji="1" lang="en-US" altLang="zh-CN" dirty="0" smtClean="0"/>
+              <a:rPr kumimoji="1" lang="en-US" altLang="zh-CN" dirty="0"/>
               <a:t>Dashboard</a:t>
             </a:r>
           </a:p>
           <a:p>
             <a:r>
-              <a:rPr kumimoji="1" lang="en-US" altLang="zh-CN" dirty="0" err="1" smtClean="0"/>
+              <a:rPr kumimoji="1" lang="en-US" altLang="zh-CN" dirty="0" err="1"/>
               <a:t>MetricServer</a:t>
             </a:r>
-            <a:endParaRPr kumimoji="1" lang="en-US" altLang="zh-CN" dirty="0" smtClean="0"/>
-          </a:p>
-          <a:p>
-            <a:r>
-              <a:rPr kumimoji="1" lang="en-US" altLang="zh-CN" dirty="0" smtClean="0"/>
+            <a:endParaRPr kumimoji="1" lang="en-US" altLang="zh-CN" dirty="0"/>
+          </a:p>
+          <a:p>
+            <a:r>
+              <a:rPr kumimoji="1" lang="en-US" altLang="zh-CN" dirty="0"/>
               <a:t>Prometheus</a:t>
             </a:r>
             <a:r>
-              <a:rPr kumimoji="1" lang="zh-CN" altLang="en-US" dirty="0" smtClean="0"/>
+              <a:rPr kumimoji="1" lang="zh-CN" altLang="en-US" dirty="0"/>
               <a:t> </a:t>
             </a:r>
             <a:r>
-              <a:rPr kumimoji="1" lang="en-US" altLang="zh-CN" dirty="0" smtClean="0"/>
+              <a:rPr kumimoji="1" lang="en-US" altLang="zh-CN" dirty="0"/>
               <a:t>&amp;</a:t>
             </a:r>
             <a:r>
-              <a:rPr kumimoji="1" lang="zh-CN" altLang="en-US" dirty="0" smtClean="0"/>
+              <a:rPr kumimoji="1" lang="zh-CN" altLang="en-US" dirty="0"/>
               <a:t> </a:t>
             </a:r>
             <a:r>
-              <a:rPr kumimoji="1" lang="en-US" altLang="zh-CN" dirty="0" err="1" smtClean="0"/>
+              <a:rPr kumimoji="1" lang="en-US" altLang="zh-CN" dirty="0" err="1"/>
               <a:t>Grafana</a:t>
             </a:r>
-            <a:endParaRPr kumimoji="1" lang="en-US" altLang="zh-CN" dirty="0" smtClean="0"/>
-          </a:p>
-          <a:p>
-            <a:r>
-              <a:rPr kumimoji="1" lang="en-US" altLang="zh-CN" dirty="0" smtClean="0"/>
+            <a:endParaRPr kumimoji="1" lang="en-US" altLang="zh-CN" dirty="0"/>
+          </a:p>
+          <a:p>
+            <a:r>
+              <a:rPr kumimoji="1" lang="en-US" altLang="zh-CN" dirty="0"/>
               <a:t>EFK</a:t>
             </a:r>
             <a:endParaRPr kumimoji="1" lang="zh-CN" altLang="en-US" dirty="0"/>
@@ -8480,7 +9123,7 @@
           <a:lstStyle/>
           <a:p>
             <a:r>
-              <a:rPr kumimoji="1" lang="en-US" altLang="zh-CN" dirty="0" smtClean="0"/>
+              <a:rPr kumimoji="1" lang="en-US" altLang="zh-CN" dirty="0"/>
               <a:t>Dashboard</a:t>
             </a:r>
             <a:endParaRPr kumimoji="1" lang="zh-CN" altLang="en-US" dirty="0"/>
@@ -8512,17 +9155,11 @@
             </a:r>
             <a:r>
               <a:rPr lang="en-US" altLang="zh-CN" dirty="0">
-                <a:hlinkClick r:id="rId2"/>
-              </a:rPr>
-              <a:t>https://</a:t>
-            </a:r>
-            <a:r>
-              <a:rPr lang="en-US" altLang="zh-CN" dirty="0" smtClean="0">
-                <a:hlinkClick r:id="rId2"/>
-              </a:rPr>
-              <a:t>raw.githubusercontent.com/kubernetes/dashboard/master/aio/deploy/recommended/kubernetes-dashboard.yaml</a:t>
-            </a:r>
-            <a:endParaRPr lang="en-US" altLang="zh-CN" dirty="0" smtClean="0"/>
+                <a:hlinkClick r:id="rId3"/>
+              </a:rPr>
+              <a:t>https://raw.githubusercontent.com/kubernetes/dashboard/master/aio/deploy/recommended/kubernetes-dashboard.yaml</a:t>
+            </a:r>
+            <a:endParaRPr lang="en-US" altLang="zh-CN" dirty="0"/>
           </a:p>
           <a:p>
             <a:r>
@@ -8578,13 +9215,8 @@
             </a:r>
             <a:r>
               <a:rPr lang="en-US" altLang="zh-CN" dirty="0"/>
-              <a:t> '{print $1</a:t>
-            </a:r>
-            <a:r>
-              <a:rPr lang="en-US" altLang="zh-CN" dirty="0" smtClean="0"/>
-              <a:t>}')</a:t>
-            </a:r>
-            <a:endParaRPr lang="en-US" altLang="zh-CN" dirty="0"/>
+              <a:t> '{print $1}')</a:t>
+            </a:r>
           </a:p>
         </p:txBody>
       </p:sp>
@@ -8673,11 +9305,11 @@
               <a:t>-system edit service </a:t>
             </a:r>
             <a:r>
-              <a:rPr lang="en-US" altLang="zh-CN" dirty="0" err="1" smtClean="0"/>
+              <a:rPr lang="en-US" altLang="zh-CN" dirty="0" err="1"/>
               <a:t>kubernetes</a:t>
             </a:r>
             <a:r>
-              <a:rPr lang="en-US" altLang="zh-CN" dirty="0" smtClean="0"/>
+              <a:rPr lang="en-US" altLang="zh-CN" dirty="0"/>
               <a:t>-dashboard</a:t>
             </a:r>
           </a:p>
@@ -8685,107 +9317,94 @@
             <a:pPr lvl="1"/>
             <a:r>
               <a:rPr lang="en-US" altLang="zh-CN" dirty="0"/>
-              <a:t>t</a:t>
-            </a:r>
-            <a:r>
-              <a:rPr lang="en-US" altLang="zh-CN" dirty="0" smtClean="0"/>
-              <a:t>ype:</a:t>
-            </a:r>
-            <a:r>
-              <a:rPr lang="zh-CN" altLang="en-US" dirty="0" smtClean="0"/>
+              <a:t>type:</a:t>
+            </a:r>
+            <a:r>
+              <a:rPr lang="zh-CN" altLang="en-US" dirty="0"/>
               <a:t> </a:t>
             </a:r>
             <a:r>
-              <a:rPr lang="en-US" altLang="zh-CN" dirty="0" err="1" smtClean="0"/>
+              <a:rPr lang="en-US" altLang="zh-CN" dirty="0" err="1"/>
               <a:t>NodePort</a:t>
             </a:r>
             <a:r>
-              <a:rPr lang="en-US" altLang="zh-CN" dirty="0" smtClean="0"/>
+              <a:rPr lang="en-US" altLang="zh-CN" dirty="0"/>
               <a:t>	</a:t>
             </a:r>
+          </a:p>
+          <a:p>
+            <a:endParaRPr kumimoji="1" lang="en-US" altLang="zh-CN" dirty="0"/>
+          </a:p>
+          <a:p>
+            <a:r>
+              <a:rPr lang="en-US" altLang="zh-CN" dirty="0" err="1"/>
+              <a:t>kubectl</a:t>
+            </a:r>
+            <a:r>
+              <a:rPr lang="en-US" altLang="zh-CN" dirty="0"/>
+              <a:t> edit deployment </a:t>
+            </a:r>
+            <a:r>
+              <a:rPr lang="en-US" altLang="zh-CN" dirty="0" err="1"/>
+              <a:t>kubernetes</a:t>
+            </a:r>
+            <a:r>
+              <a:rPr lang="en-US" altLang="zh-CN" dirty="0"/>
+              <a:t>-dashboard -n </a:t>
+            </a:r>
+            <a:r>
+              <a:rPr lang="en-US" altLang="zh-CN" dirty="0" err="1"/>
+              <a:t>kube</a:t>
+            </a:r>
+            <a:r>
+              <a:rPr lang="en-US" altLang="zh-CN" dirty="0"/>
+              <a:t>-system</a:t>
+            </a:r>
+          </a:p>
+          <a:p>
+            <a:pPr lvl="1"/>
+            <a:r>
+              <a:rPr lang="en-US" altLang="zh-CN" dirty="0"/>
+              <a:t>-</a:t>
+            </a:r>
+            <a:r>
+              <a:rPr lang="zh-CN" altLang="en-US" dirty="0"/>
+              <a:t> </a:t>
+            </a:r>
+            <a:r>
+              <a:rPr lang="en-US" altLang="zh-CN" dirty="0" err="1"/>
+              <a:t>args</a:t>
+            </a:r>
+            <a:r>
+              <a:rPr lang="en-US" altLang="zh-CN" dirty="0"/>
+              <a:t>:</a:t>
+            </a:r>
+            <a:r>
+              <a:rPr lang="zh-CN" altLang="en-US" dirty="0"/>
+              <a:t> </a:t>
+            </a:r>
             <a:endParaRPr lang="en-US" altLang="zh-CN" dirty="0"/>
           </a:p>
           <a:p>
-            <a:endParaRPr kumimoji="1" lang="en-US" altLang="zh-CN" dirty="0" smtClean="0"/>
-          </a:p>
-          <a:p>
-            <a:r>
-              <a:rPr lang="en-US" altLang="zh-CN" dirty="0" err="1"/>
-              <a:t>kubectl</a:t>
-            </a:r>
-            <a:r>
-              <a:rPr lang="en-US" altLang="zh-CN" dirty="0"/>
-              <a:t> edit deployment </a:t>
-            </a:r>
-            <a:r>
-              <a:rPr lang="en-US" altLang="zh-CN" dirty="0" err="1"/>
-              <a:t>kubernetes</a:t>
-            </a:r>
-            <a:r>
-              <a:rPr lang="en-US" altLang="zh-CN" dirty="0"/>
-              <a:t>-dashboard -n </a:t>
-            </a:r>
-            <a:r>
-              <a:rPr lang="en-US" altLang="zh-CN" dirty="0" err="1" smtClean="0"/>
-              <a:t>kube</a:t>
-            </a:r>
-            <a:r>
-              <a:rPr lang="en-US" altLang="zh-CN" dirty="0" smtClean="0"/>
-              <a:t>-system</a:t>
-            </a:r>
-          </a:p>
-          <a:p>
             <a:pPr lvl="1"/>
             <a:r>
-              <a:rPr lang="en-US" altLang="zh-CN" dirty="0" smtClean="0"/>
-              <a:t>-</a:t>
-            </a:r>
-            <a:r>
-              <a:rPr lang="zh-CN" altLang="en-US" dirty="0" smtClean="0"/>
-              <a:t> </a:t>
-            </a:r>
-            <a:r>
-              <a:rPr lang="en-US" altLang="zh-CN" dirty="0" err="1" smtClean="0"/>
-              <a:t>args</a:t>
-            </a:r>
-            <a:r>
-              <a:rPr lang="en-US" altLang="zh-CN" dirty="0" smtClean="0"/>
-              <a:t>:</a:t>
-            </a:r>
-            <a:r>
-              <a:rPr lang="zh-CN" altLang="en-US" dirty="0" smtClean="0"/>
-              <a:t> </a:t>
-            </a:r>
-            <a:endParaRPr lang="en-US" altLang="zh-CN" dirty="0" smtClean="0"/>
+              <a:rPr lang="zh-CN" altLang="en-US" dirty="0"/>
+              <a:t>   </a:t>
+            </a:r>
+            <a:r>
+              <a:rPr lang="en-US" altLang="zh-CN" dirty="0"/>
+              <a:t>- --auto-generate-certificates</a:t>
+            </a:r>
           </a:p>
           <a:p>
             <a:pPr lvl="1"/>
             <a:r>
-              <a:rPr lang="zh-CN" altLang="en-US" dirty="0" smtClean="0"/>
+              <a:rPr lang="zh-CN" altLang="en-US" dirty="0"/>
               <a:t>   </a:t>
             </a:r>
             <a:r>
-              <a:rPr lang="en-US" altLang="zh-CN" dirty="0" smtClean="0"/>
-              <a:t>- </a:t>
-            </a:r>
-            <a:r>
-              <a:rPr lang="en-US" altLang="zh-CN" dirty="0"/>
-              <a:t>--auto-generate-certificates</a:t>
-            </a:r>
-          </a:p>
-          <a:p>
-            <a:pPr lvl="1"/>
-            <a:r>
-              <a:rPr lang="zh-CN" altLang="en-US" dirty="0" smtClean="0"/>
-              <a:t>   </a:t>
-            </a:r>
-            <a:r>
-              <a:rPr lang="mr-IN" altLang="zh-CN" dirty="0" smtClean="0"/>
-              <a:t>- </a:t>
-            </a:r>
-            <a:r>
               <a:rPr lang="mr-IN" altLang="zh-CN" dirty="0"/>
-              <a:t>--</a:t>
+              <a:t>- --</a:t>
             </a:r>
             <a:r>
               <a:rPr lang="mr-IN" altLang="zh-CN" dirty="0" err="1"/>
@@ -8802,27 +9421,27 @@
           </a:p>
           <a:p>
             <a:r>
-              <a:rPr kumimoji="1" lang="zh-CN" altLang="en-US" dirty="0" smtClean="0"/>
+              <a:rPr kumimoji="1" lang="zh-CN" altLang="en-US" dirty="0"/>
               <a:t>使用</a:t>
             </a:r>
             <a:r>
-              <a:rPr kumimoji="1" lang="en-US" altLang="zh-CN" dirty="0" smtClean="0"/>
+              <a:rPr kumimoji="1" lang="en-US" altLang="zh-CN" dirty="0"/>
               <a:t>token</a:t>
             </a:r>
             <a:r>
-              <a:rPr kumimoji="1" lang="zh-CN" altLang="en-US" dirty="0" smtClean="0"/>
+              <a:rPr kumimoji="1" lang="zh-CN" altLang="en-US" dirty="0"/>
               <a:t>访问</a:t>
             </a:r>
             <a:r>
-              <a:rPr kumimoji="1" lang="en-US" altLang="zh-CN" dirty="0" smtClean="0"/>
+              <a:rPr kumimoji="1" lang="en-US" altLang="zh-CN" dirty="0"/>
               <a:t>dashboard</a:t>
             </a:r>
             <a:r>
-              <a:rPr kumimoji="1" lang="zh-CN" altLang="en-US" dirty="0" smtClean="0"/>
+              <a:rPr kumimoji="1" lang="zh-CN" altLang="en-US" dirty="0"/>
               <a:t> </a:t>
             </a:r>
             <a:r>
-              <a:rPr kumimoji="1" lang="en-US" altLang="zh-CN" dirty="0" smtClean="0"/>
+              <a:rPr kumimoji="1" lang="en-US" altLang="zh-CN" dirty="0"/>
               <a:t>service</a:t>
             </a:r>
             <a:endParaRPr kumimoji="1" lang="zh-CN" altLang="en-US" dirty="0"/>
@@ -8875,15 +9494,15 @@
           <a:lstStyle/>
           <a:p>
             <a:r>
-              <a:rPr kumimoji="1" lang="en-US" altLang="zh-CN" dirty="0" smtClean="0"/>
+              <a:rPr kumimoji="1" lang="en-US" altLang="zh-CN" dirty="0"/>
               <a:t>Metric</a:t>
             </a:r>
             <a:r>
-              <a:rPr kumimoji="1" lang="zh-CN" altLang="en-US" dirty="0" smtClean="0"/>
+              <a:rPr kumimoji="1" lang="zh-CN" altLang="en-US" dirty="0"/>
               <a:t> </a:t>
             </a:r>
             <a:r>
-              <a:rPr kumimoji="1" lang="en-US" altLang="zh-CN" dirty="0" smtClean="0"/>
+              <a:rPr kumimoji="1" lang="en-US" altLang="zh-CN" dirty="0"/>
               <a:t>server</a:t>
             </a:r>
             <a:endParaRPr kumimoji="1" lang="zh-CN" altLang="en-US" dirty="0"/>
@@ -8965,14 +9584,13 @@
               <a:t> describe pod metrics-server-7cffff65bc-nwqsb -n </a:t>
             </a:r>
             <a:r>
-              <a:rPr lang="en-US" altLang="zh-CN" dirty="0" err="1" smtClean="0"/>
+              <a:rPr lang="en-US" altLang="zh-CN" dirty="0" err="1"/>
               <a:t>kube</a:t>
             </a:r>
             <a:r>
-              <a:rPr lang="en-US" altLang="zh-CN" dirty="0" smtClean="0"/>
+              <a:rPr lang="en-US" altLang="zh-CN" dirty="0"/>
               <a:t>-system</a:t>
             </a:r>
-            <a:endParaRPr lang="en-US" altLang="zh-CN" dirty="0"/>
           </a:p>
         </p:txBody>
       </p:sp>
@@ -9022,15 +9640,15 @@
           <a:lstStyle/>
           <a:p>
             <a:r>
-              <a:rPr kumimoji="1" lang="en-US" altLang="zh-CN" dirty="0" smtClean="0"/>
+              <a:rPr kumimoji="1" lang="en-US" altLang="zh-CN" dirty="0"/>
               <a:t>Metric</a:t>
             </a:r>
             <a:r>
-              <a:rPr kumimoji="1" lang="zh-CN" altLang="en-US" dirty="0" smtClean="0"/>
+              <a:rPr kumimoji="1" lang="zh-CN" altLang="en-US" dirty="0"/>
               <a:t> </a:t>
             </a:r>
             <a:r>
-              <a:rPr kumimoji="1" lang="en-US" altLang="zh-CN" dirty="0" smtClean="0"/>
+              <a:rPr kumimoji="1" lang="en-US" altLang="zh-CN" dirty="0"/>
               <a:t>server</a:t>
             </a:r>
             <a:endParaRPr kumimoji="1" lang="zh-CN" altLang="en-US" dirty="0"/>
@@ -9066,22 +9684,14 @@
             </a:r>
             <a:r>
               <a:rPr lang="en-US" altLang="zh-CN" dirty="0"/>
-              <a:t>-system deployments </a:t>
-            </a:r>
-            <a:r>
-              <a:rPr lang="en-US" altLang="zh-CN" dirty="0" smtClean="0"/>
-              <a:t>metrics-server</a:t>
+              <a:t>-system deployments metrics-server</a:t>
             </a:r>
           </a:p>
           <a:p>
             <a:pPr lvl="1"/>
             <a:r>
-              <a:rPr lang="en-US" altLang="zh-CN" dirty="0" smtClean="0"/>
-              <a:t>k8s.gcr.io/metrics-server-amd64:v0.3.3 </a:t>
-            </a:r>
-            <a:r>
-              <a:rPr lang="en-US" altLang="zh-CN" dirty="0"/>
-              <a:t>-&gt; </a:t>
+              <a:rPr lang="en-US" altLang="zh-CN" dirty="0"/>
+              <a:t>k8s.gcr.io/metrics-server-amd64:v0.3.3 -&gt; </a:t>
             </a:r>
             <a:r>
               <a:rPr lang="en-US" altLang="zh-CN" dirty="0" err="1"/>
@@ -9095,42 +9705,30 @@
           <a:p>
             <a:pPr lvl="1"/>
             <a:r>
-              <a:rPr lang="en-US" altLang="zh-CN" smtClean="0"/>
-              <a:t>command</a:t>
-            </a:r>
-            <a:r>
-              <a:rPr lang="en-US" altLang="zh-CN" dirty="0"/>
-              <a:t>:</a:t>
+              <a:rPr lang="en-US" altLang="zh-CN" dirty="0"/>
+              <a:t>command:</a:t>
             </a:r>
           </a:p>
           <a:p>
             <a:pPr lvl="1"/>
             <a:r>
-              <a:rPr lang="zh-CN" altLang="en-US" dirty="0" smtClean="0"/>
+              <a:rPr lang="zh-CN" altLang="en-US" dirty="0"/>
               <a:t>   </a:t>
             </a:r>
             <a:r>
-              <a:rPr lang="en-US" altLang="zh-CN" dirty="0" smtClean="0"/>
-              <a:t>- </a:t>
-            </a:r>
-            <a:r>
-              <a:rPr lang="en-US" altLang="zh-CN" dirty="0"/>
-              <a:t>/metrics-server</a:t>
+              <a:rPr lang="en-US" altLang="zh-CN" dirty="0"/>
+              <a:t>- /metrics-server</a:t>
             </a:r>
           </a:p>
           <a:p>
             <a:pPr lvl="1"/>
             <a:r>
-              <a:rPr lang="zh-CN" altLang="en-US" dirty="0" smtClean="0"/>
+              <a:rPr lang="zh-CN" altLang="en-US" dirty="0"/>
               <a:t>   </a:t>
             </a:r>
             <a:r>
-              <a:rPr lang="en-US" altLang="zh-CN" dirty="0" smtClean="0"/>
-              <a:t>- </a:t>
-            </a:r>
-            <a:r>
-              <a:rPr lang="en-US" altLang="zh-CN" dirty="0"/>
-              <a:t>--</a:t>
+              <a:rPr lang="en-US" altLang="zh-CN" dirty="0"/>
+              <a:t>- --</a:t>
             </a:r>
             <a:r>
               <a:rPr lang="en-US" altLang="zh-CN" dirty="0" err="1"/>
@@ -9148,7 +9746,6 @@
               <a:rPr lang="en-US" altLang="zh-CN" dirty="0"/>
               <a:t> </a:t>
             </a:r>
-            <a:endParaRPr lang="en-US" altLang="zh-CN" dirty="0" smtClean="0"/>
           </a:p>
           <a:p>
             <a:pPr lvl="1"/>
@@ -9171,13 +9768,8 @@
             </a:r>
             <a:r>
               <a:rPr lang="en-US" altLang="zh-CN" dirty="0"/>
-              <a:t> top </a:t>
-            </a:r>
-            <a:r>
-              <a:rPr lang="en-US" altLang="zh-CN" dirty="0" smtClean="0"/>
-              <a:t>pod</a:t>
-            </a:r>
-            <a:endParaRPr lang="en-US" altLang="zh-CN" dirty="0"/>
+              <a:t> top pod</a:t>
+            </a:r>
           </a:p>
           <a:p>
             <a:endParaRPr lang="en-US" altLang="zh-CN" dirty="0">
@@ -9232,7 +9824,7 @@
           <a:lstStyle/>
           <a:p>
             <a:r>
-              <a:rPr kumimoji="1" lang="en-US" altLang="zh-CN" dirty="0" err="1" smtClean="0"/>
+              <a:rPr kumimoji="1" lang="en-US" altLang="zh-CN" dirty="0" err="1"/>
               <a:t>Kube-prometheus</a:t>
             </a:r>
             <a:endParaRPr kumimoji="1" lang="zh-CN" altLang="en-US" dirty="0"/>
@@ -9440,7 +10032,7 @@
           <a:lstStyle/>
           <a:p>
             <a:r>
-              <a:rPr kumimoji="1" lang="en-US" altLang="zh-CN" dirty="0" err="1" smtClean="0"/>
+              <a:rPr kumimoji="1" lang="en-US" altLang="zh-CN" dirty="0" err="1"/>
               <a:t>Kube-prometheus</a:t>
             </a:r>
             <a:endParaRPr kumimoji="1" lang="zh-CN" altLang="en-US" dirty="0"/>
@@ -9619,11 +10211,11 @@
           <a:lstStyle/>
           <a:p>
             <a:r>
-              <a:rPr kumimoji="1" lang="en-US" altLang="zh-CN" dirty="0" smtClean="0"/>
+              <a:rPr kumimoji="1" lang="en-US" altLang="zh-CN" dirty="0"/>
               <a:t>Kubernetes-</a:t>
             </a:r>
             <a:r>
-              <a:rPr kumimoji="1" lang="en-US" altLang="zh-CN" dirty="0" err="1" smtClean="0"/>
+              <a:rPr kumimoji="1" lang="en-US" altLang="zh-CN" dirty="0" err="1"/>
               <a:t>mixin</a:t>
             </a:r>
             <a:endParaRPr kumimoji="1" lang="zh-CN" altLang="en-US" dirty="0"/>
